--- a/Project H2G.pptx
+++ b/Project H2G.pptx
@@ -1,19 +1,20 @@
 
 <file path=ppt/presentation.xml><?xml version="1.0" encoding="utf-8"?>
-<p:presentation xmlns:a="http://schemas.openxmlformats.org/drawingml/2006/main" xmlns:r="http://schemas.openxmlformats.org/officeDocument/2006/relationships" xmlns:p="http://schemas.openxmlformats.org/presentationml/2006/main" saveSubsetFonts="1">
+<p:presentation xmlns:a="http://schemas.openxmlformats.org/drawingml/2006/main" xmlns:r="http://schemas.openxmlformats.org/officeDocument/2006/relationships" xmlns:p="http://schemas.openxmlformats.org/presentationml/2006/main">
   <p:sldMasterIdLst>
     <p:sldMasterId id="2147483648" r:id="rId1"/>
   </p:sldMasterIdLst>
   <p:notesMasterIdLst>
-    <p:notesMasterId r:id="rId8"/>
+    <p:notesMasterId r:id="rId6"/>
   </p:notesMasterIdLst>
   <p:sldIdLst>
-    <p:sldId id="256" r:id="rId2"/>
-    <p:sldId id="267" r:id="rId3"/>
-    <p:sldId id="268" r:id="rId4"/>
-    <p:sldId id="269" r:id="rId5"/>
-    <p:sldId id="270" r:id="rId6"/>
-    <p:sldId id="257" r:id="rId7"/>
+    <p:sldId id="256" r:id="rId3"/>
+    <p:sldId id="272" r:id="rId4"/>
+    <p:sldId id="267" r:id="rId5"/>
+    <p:sldId id="268" r:id="rId7"/>
+    <p:sldId id="269" r:id="rId8"/>
+    <p:sldId id="270" r:id="rId9"/>
+    <p:sldId id="257" r:id="rId10"/>
   </p:sldIdLst>
   <p:sldSz cx="12192000" cy="6858000"/>
   <p:notesSz cx="6858000" cy="9144000"/>
@@ -112,22 +113,6 @@
       </a:defRPr>
     </a:lvl9pPr>
   </p:defaultTextStyle>
-  <p:extLst>
-    <p:ext uri="{EFAFB233-063F-42B5-8137-9DF3F51BA10A}">
-      <p15:sldGuideLst xmlns:p15="http://schemas.microsoft.com/office/powerpoint/2012/main">
-        <p15:guide id="1" orient="horz" pos="2160" userDrawn="1">
-          <p15:clr>
-            <a:srgbClr val="A4A3A4"/>
-          </p15:clr>
-        </p15:guide>
-        <p15:guide id="2" pos="3840" userDrawn="1">
-          <p15:clr>
-            <a:srgbClr val="A4A3A4"/>
-          </p15:clr>
-        </p15:guide>
-      </p15:sldGuideLst>
-    </p:ext>
-  </p:extLst>
 </p:presentation>
 </file>
 
@@ -213,7 +198,6 @@
           <a:p>
             <a:fld id="{9F92FE70-6266-4869-9203-2D5B881635BA}" type="datetimeFigureOut">
               <a:rPr lang="zh-CN" altLang="en-US" smtClean="0"/>
-              <a:t>2018/12/16</a:t>
             </a:fld>
             <a:endParaRPr lang="zh-CN" altLang="en-US"/>
           </a:p>
@@ -280,6 +264,7 @@
               <a:rPr lang="zh-CN" altLang="en-US"/>
               <a:t>编辑母版文本样式</a:t>
             </a:r>
+            <a:endParaRPr lang="zh-CN" altLang="en-US"/>
           </a:p>
           <a:p>
             <a:pPr lvl="1"/>
@@ -287,6 +272,7 @@
               <a:rPr lang="zh-CN" altLang="en-US"/>
               <a:t>第二级</a:t>
             </a:r>
+            <a:endParaRPr lang="zh-CN" altLang="en-US"/>
           </a:p>
           <a:p>
             <a:pPr lvl="2"/>
@@ -294,6 +280,7 @@
               <a:rPr lang="zh-CN" altLang="en-US"/>
               <a:t>第三级</a:t>
             </a:r>
+            <a:endParaRPr lang="zh-CN" altLang="en-US"/>
           </a:p>
           <a:p>
             <a:pPr lvl="3"/>
@@ -301,6 +288,7 @@
               <a:rPr lang="zh-CN" altLang="en-US"/>
               <a:t>第四级</a:t>
             </a:r>
+            <a:endParaRPr lang="zh-CN" altLang="en-US"/>
           </a:p>
           <a:p>
             <a:pPr lvl="4"/>
@@ -308,6 +296,7 @@
               <a:rPr lang="zh-CN" altLang="en-US"/>
               <a:t>第五级</a:t>
             </a:r>
+            <a:endParaRPr lang="zh-CN" altLang="en-US"/>
           </a:p>
         </p:txBody>
       </p:sp>
@@ -371,18 +360,12 @@
           <a:p>
             <a:fld id="{5B4CFB39-955B-49B6-8EAB-CD2A5E3A67C6}" type="slidenum">
               <a:rPr lang="zh-CN" altLang="en-US" smtClean="0"/>
-              <a:t>‹#›</a:t>
             </a:fld>
             <a:endParaRPr lang="zh-CN" altLang="en-US"/>
           </a:p>
         </p:txBody>
       </p:sp>
     </p:spTree>
-    <p:extLst>
-      <p:ext uri="{BB962C8B-B14F-4D97-AF65-F5344CB8AC3E}">
-        <p14:creationId xmlns:p14="http://schemas.microsoft.com/office/powerpoint/2010/main" val="1405017443"/>
-      </p:ext>
-    </p:extLst>
   </p:cSld>
   <p:clrMap bg1="lt1" tx1="dk1" bg2="lt2" tx2="dk2" accent1="accent1" accent2="accent2" accent3="accent3" accent4="accent4" accent5="accent5" accent6="accent6" hlink="hlink" folHlink="folHlink"/>
   <p:notesStyle>
@@ -545,18 +528,12 @@
           <a:p>
             <a:fld id="{5B4CFB39-955B-49B6-8EAB-CD2A5E3A67C6}" type="slidenum">
               <a:rPr lang="zh-CN" altLang="en-US" smtClean="0"/>
-              <a:t>2</a:t>
             </a:fld>
             <a:endParaRPr lang="zh-CN" altLang="en-US"/>
           </a:p>
         </p:txBody>
       </p:sp>
     </p:spTree>
-    <p:extLst>
-      <p:ext uri="{BB962C8B-B14F-4D97-AF65-F5344CB8AC3E}">
-        <p14:creationId xmlns:p14="http://schemas.microsoft.com/office/powerpoint/2010/main" val="3632094839"/>
-      </p:ext>
-    </p:extLst>
   </p:cSld>
   <p:clrMapOvr>
     <a:masterClrMapping/>
@@ -629,18 +606,12 @@
           <a:p>
             <a:fld id="{5B4CFB39-955B-49B6-8EAB-CD2A5E3A67C6}" type="slidenum">
               <a:rPr lang="zh-CN" altLang="en-US" smtClean="0"/>
-              <a:t>3</a:t>
             </a:fld>
             <a:endParaRPr lang="zh-CN" altLang="en-US"/>
           </a:p>
         </p:txBody>
       </p:sp>
     </p:spTree>
-    <p:extLst>
-      <p:ext uri="{BB962C8B-B14F-4D97-AF65-F5344CB8AC3E}">
-        <p14:creationId xmlns:p14="http://schemas.microsoft.com/office/powerpoint/2010/main" val="1245910913"/>
-      </p:ext>
-    </p:extLst>
   </p:cSld>
   <p:clrMapOvr>
     <a:masterClrMapping/>
@@ -713,18 +684,12 @@
           <a:p>
             <a:fld id="{5B4CFB39-955B-49B6-8EAB-CD2A5E3A67C6}" type="slidenum">
               <a:rPr lang="zh-CN" altLang="en-US" smtClean="0"/>
-              <a:t>4</a:t>
             </a:fld>
             <a:endParaRPr lang="zh-CN" altLang="en-US"/>
           </a:p>
         </p:txBody>
       </p:sp>
     </p:spTree>
-    <p:extLst>
-      <p:ext uri="{BB962C8B-B14F-4D97-AF65-F5344CB8AC3E}">
-        <p14:creationId xmlns:p14="http://schemas.microsoft.com/office/powerpoint/2010/main" val="4234168158"/>
-      </p:ext>
-    </p:extLst>
   </p:cSld>
   <p:clrMapOvr>
     <a:masterClrMapping/>
@@ -797,18 +762,12 @@
           <a:p>
             <a:fld id="{5B4CFB39-955B-49B6-8EAB-CD2A5E3A67C6}" type="slidenum">
               <a:rPr lang="zh-CN" altLang="en-US" smtClean="0"/>
-              <a:t>5</a:t>
             </a:fld>
             <a:endParaRPr lang="zh-CN" altLang="en-US"/>
           </a:p>
         </p:txBody>
       </p:sp>
     </p:spTree>
-    <p:extLst>
-      <p:ext uri="{BB962C8B-B14F-4D97-AF65-F5344CB8AC3E}">
-        <p14:creationId xmlns:p14="http://schemas.microsoft.com/office/powerpoint/2010/main" val="1543590801"/>
-      </p:ext>
-    </p:extLst>
   </p:cSld>
   <p:clrMapOvr>
     <a:masterClrMapping/>
@@ -835,13 +794,7 @@
       </p:grpSpPr>
       <p:sp>
         <p:nvSpPr>
-          <p:cNvPr id="2" name="标题 1">
-            <a:extLst>
-              <a:ext uri="{FF2B5EF4-FFF2-40B4-BE49-F238E27FC236}">
-                <a16:creationId xmlns:a16="http://schemas.microsoft.com/office/drawing/2014/main" id="{A9568EF0-07C6-4CFE-A66F-0EE0CC5063F6}"/>
-              </a:ext>
-            </a:extLst>
-          </p:cNvPr>
+          <p:cNvPr id="2" name="标题 1"/>
           <p:cNvSpPr>
             <a:spLocks noGrp="1"/>
           </p:cNvSpPr>
@@ -867,18 +820,13 @@
               <a:rPr lang="zh-CN" altLang="en-US"/>
               <a:t>单击此处编辑母版标题样式</a:t>
             </a:r>
-          </a:p>
-        </p:txBody>
-      </p:sp>
-      <p:sp>
-        <p:nvSpPr>
-          <p:cNvPr id="3" name="副标题 2">
-            <a:extLst>
-              <a:ext uri="{FF2B5EF4-FFF2-40B4-BE49-F238E27FC236}">
-                <a16:creationId xmlns:a16="http://schemas.microsoft.com/office/drawing/2014/main" id="{5A59EDF0-744E-4A1C-B441-E9CCCC24D0F5}"/>
-              </a:ext>
-            </a:extLst>
-          </p:cNvPr>
+            <a:endParaRPr lang="zh-CN" altLang="en-US"/>
+          </a:p>
+        </p:txBody>
+      </p:sp>
+      <p:sp>
+        <p:nvSpPr>
+          <p:cNvPr id="3" name="副标题 2"/>
           <p:cNvSpPr>
             <a:spLocks noGrp="1"/>
           </p:cNvSpPr>
@@ -937,18 +885,13 @@
               <a:rPr lang="zh-CN" altLang="en-US"/>
               <a:t>单击此处编辑母版副标题样式</a:t>
             </a:r>
-          </a:p>
-        </p:txBody>
-      </p:sp>
-      <p:sp>
-        <p:nvSpPr>
-          <p:cNvPr id="4" name="日期占位符 3">
-            <a:extLst>
-              <a:ext uri="{FF2B5EF4-FFF2-40B4-BE49-F238E27FC236}">
-                <a16:creationId xmlns:a16="http://schemas.microsoft.com/office/drawing/2014/main" id="{E9C9F67F-A14E-4C6E-8647-D800FD1D2ADC}"/>
-              </a:ext>
-            </a:extLst>
-          </p:cNvPr>
+            <a:endParaRPr lang="zh-CN" altLang="en-US"/>
+          </a:p>
+        </p:txBody>
+      </p:sp>
+      <p:sp>
+        <p:nvSpPr>
+          <p:cNvPr id="4" name="日期占位符 3"/>
           <p:cNvSpPr>
             <a:spLocks noGrp="1"/>
           </p:cNvSpPr>
@@ -963,7 +906,6 @@
           <a:p>
             <a:fld id="{18BFEB81-CF16-4D4E-A4F1-ACCE12D5F744}" type="datetimeFigureOut">
               <a:rPr lang="zh-CN" altLang="en-US" smtClean="0"/>
-              <a:t>2018/12/16</a:t>
             </a:fld>
             <a:endParaRPr lang="zh-CN" altLang="en-US"/>
           </a:p>
@@ -971,13 +913,7 @@
       </p:sp>
       <p:sp>
         <p:nvSpPr>
-          <p:cNvPr id="5" name="页脚占位符 4">
-            <a:extLst>
-              <a:ext uri="{FF2B5EF4-FFF2-40B4-BE49-F238E27FC236}">
-                <a16:creationId xmlns:a16="http://schemas.microsoft.com/office/drawing/2014/main" id="{3E003EE5-233F-41ED-A113-3B1B1FAEF0E2}"/>
-              </a:ext>
-            </a:extLst>
-          </p:cNvPr>
+          <p:cNvPr id="5" name="页脚占位符 4"/>
           <p:cNvSpPr>
             <a:spLocks noGrp="1"/>
           </p:cNvSpPr>
@@ -996,13 +932,7 @@
       </p:sp>
       <p:sp>
         <p:nvSpPr>
-          <p:cNvPr id="6" name="灯片编号占位符 5">
-            <a:extLst>
-              <a:ext uri="{FF2B5EF4-FFF2-40B4-BE49-F238E27FC236}">
-                <a16:creationId xmlns:a16="http://schemas.microsoft.com/office/drawing/2014/main" id="{99F0DEB1-C042-4FF7-B976-321426E7FF22}"/>
-              </a:ext>
-            </a:extLst>
-          </p:cNvPr>
+          <p:cNvPr id="6" name="灯片编号占位符 5"/>
           <p:cNvSpPr>
             <a:spLocks noGrp="1"/>
           </p:cNvSpPr>
@@ -1017,18 +947,12 @@
           <a:p>
             <a:fld id="{449F378F-9CAD-46CF-9BE1-E3D4453E1612}" type="slidenum">
               <a:rPr lang="zh-CN" altLang="en-US" smtClean="0"/>
-              <a:t>‹#›</a:t>
             </a:fld>
             <a:endParaRPr lang="zh-CN" altLang="en-US"/>
           </a:p>
         </p:txBody>
       </p:sp>
     </p:spTree>
-    <p:extLst>
-      <p:ext uri="{BB962C8B-B14F-4D97-AF65-F5344CB8AC3E}">
-        <p14:creationId xmlns:p14="http://schemas.microsoft.com/office/powerpoint/2010/main" val="3268915960"/>
-      </p:ext>
-    </p:extLst>
   </p:cSld>
   <p:clrMapOvr>
     <a:masterClrMapping/>
@@ -1055,13 +979,7 @@
       </p:grpSpPr>
       <p:sp>
         <p:nvSpPr>
-          <p:cNvPr id="2" name="标题 1">
-            <a:extLst>
-              <a:ext uri="{FF2B5EF4-FFF2-40B4-BE49-F238E27FC236}">
-                <a16:creationId xmlns:a16="http://schemas.microsoft.com/office/drawing/2014/main" id="{756A320E-9711-479F-9CC4-56E57230CBB8}"/>
-              </a:ext>
-            </a:extLst>
-          </p:cNvPr>
+          <p:cNvPr id="2" name="标题 1"/>
           <p:cNvSpPr>
             <a:spLocks noGrp="1"/>
           </p:cNvSpPr>
@@ -1078,23 +996,18 @@
               <a:rPr lang="zh-CN" altLang="en-US"/>
               <a:t>单击此处编辑母版标题样式</a:t>
             </a:r>
-          </a:p>
-        </p:txBody>
-      </p:sp>
-      <p:sp>
-        <p:nvSpPr>
-          <p:cNvPr id="3" name="竖排文字占位符 2">
-            <a:extLst>
-              <a:ext uri="{FF2B5EF4-FFF2-40B4-BE49-F238E27FC236}">
-                <a16:creationId xmlns:a16="http://schemas.microsoft.com/office/drawing/2014/main" id="{15C68349-A57F-4FCF-B00A-EF4B923B0C9B}"/>
-              </a:ext>
-            </a:extLst>
-          </p:cNvPr>
+            <a:endParaRPr lang="zh-CN" altLang="en-US"/>
+          </a:p>
+        </p:txBody>
+      </p:sp>
+      <p:sp>
+        <p:nvSpPr>
+          <p:cNvPr id="3" name="竖排文字占位符 2"/>
           <p:cNvSpPr>
             <a:spLocks noGrp="1"/>
           </p:cNvSpPr>
           <p:nvPr>
-            <p:ph type="body" orient="vert" idx="1"/>
+            <p:ph type="body" orient="vert" idx="1" hasCustomPrompt="1"/>
           </p:nvPr>
         </p:nvSpPr>
         <p:spPr/>
@@ -1107,6 +1020,7 @@
               <a:rPr lang="zh-CN" altLang="en-US"/>
               <a:t>编辑母版文本样式</a:t>
             </a:r>
+            <a:endParaRPr lang="zh-CN" altLang="en-US"/>
           </a:p>
           <a:p>
             <a:pPr lvl="1"/>
@@ -1114,6 +1028,7 @@
               <a:rPr lang="zh-CN" altLang="en-US"/>
               <a:t>第二级</a:t>
             </a:r>
+            <a:endParaRPr lang="zh-CN" altLang="en-US"/>
           </a:p>
           <a:p>
             <a:pPr lvl="2"/>
@@ -1121,6 +1036,7 @@
               <a:rPr lang="zh-CN" altLang="en-US"/>
               <a:t>第三级</a:t>
             </a:r>
+            <a:endParaRPr lang="zh-CN" altLang="en-US"/>
           </a:p>
           <a:p>
             <a:pPr lvl="3"/>
@@ -1128,6 +1044,7 @@
               <a:rPr lang="zh-CN" altLang="en-US"/>
               <a:t>第四级</a:t>
             </a:r>
+            <a:endParaRPr lang="zh-CN" altLang="en-US"/>
           </a:p>
           <a:p>
             <a:pPr lvl="4"/>
@@ -1135,18 +1052,13 @@
               <a:rPr lang="zh-CN" altLang="en-US"/>
               <a:t>第五级</a:t>
             </a:r>
-          </a:p>
-        </p:txBody>
-      </p:sp>
-      <p:sp>
-        <p:nvSpPr>
-          <p:cNvPr id="4" name="日期占位符 3">
-            <a:extLst>
-              <a:ext uri="{FF2B5EF4-FFF2-40B4-BE49-F238E27FC236}">
-                <a16:creationId xmlns:a16="http://schemas.microsoft.com/office/drawing/2014/main" id="{29015E98-4640-471A-85F4-C3109ECE30DE}"/>
-              </a:ext>
-            </a:extLst>
-          </p:cNvPr>
+            <a:endParaRPr lang="zh-CN" altLang="en-US"/>
+          </a:p>
+        </p:txBody>
+      </p:sp>
+      <p:sp>
+        <p:nvSpPr>
+          <p:cNvPr id="4" name="日期占位符 3"/>
           <p:cNvSpPr>
             <a:spLocks noGrp="1"/>
           </p:cNvSpPr>
@@ -1161,7 +1073,6 @@
           <a:p>
             <a:fld id="{18BFEB81-CF16-4D4E-A4F1-ACCE12D5F744}" type="datetimeFigureOut">
               <a:rPr lang="zh-CN" altLang="en-US" smtClean="0"/>
-              <a:t>2018/12/16</a:t>
             </a:fld>
             <a:endParaRPr lang="zh-CN" altLang="en-US"/>
           </a:p>
@@ -1169,13 +1080,7 @@
       </p:sp>
       <p:sp>
         <p:nvSpPr>
-          <p:cNvPr id="5" name="页脚占位符 4">
-            <a:extLst>
-              <a:ext uri="{FF2B5EF4-FFF2-40B4-BE49-F238E27FC236}">
-                <a16:creationId xmlns:a16="http://schemas.microsoft.com/office/drawing/2014/main" id="{6E702519-62BF-4E9A-8794-B784974F64D4}"/>
-              </a:ext>
-            </a:extLst>
-          </p:cNvPr>
+          <p:cNvPr id="5" name="页脚占位符 4"/>
           <p:cNvSpPr>
             <a:spLocks noGrp="1"/>
           </p:cNvSpPr>
@@ -1194,13 +1099,7 @@
       </p:sp>
       <p:sp>
         <p:nvSpPr>
-          <p:cNvPr id="6" name="灯片编号占位符 5">
-            <a:extLst>
-              <a:ext uri="{FF2B5EF4-FFF2-40B4-BE49-F238E27FC236}">
-                <a16:creationId xmlns:a16="http://schemas.microsoft.com/office/drawing/2014/main" id="{E599BB3E-A05D-418C-AAA7-C4604BE4A9C3}"/>
-              </a:ext>
-            </a:extLst>
-          </p:cNvPr>
+          <p:cNvPr id="6" name="灯片编号占位符 5"/>
           <p:cNvSpPr>
             <a:spLocks noGrp="1"/>
           </p:cNvSpPr>
@@ -1215,18 +1114,12 @@
           <a:p>
             <a:fld id="{449F378F-9CAD-46CF-9BE1-E3D4453E1612}" type="slidenum">
               <a:rPr lang="zh-CN" altLang="en-US" smtClean="0"/>
-              <a:t>‹#›</a:t>
             </a:fld>
             <a:endParaRPr lang="zh-CN" altLang="en-US"/>
           </a:p>
         </p:txBody>
       </p:sp>
     </p:spTree>
-    <p:extLst>
-      <p:ext uri="{BB962C8B-B14F-4D97-AF65-F5344CB8AC3E}">
-        <p14:creationId xmlns:p14="http://schemas.microsoft.com/office/powerpoint/2010/main" val="3151672036"/>
-      </p:ext>
-    </p:extLst>
   </p:cSld>
   <p:clrMapOvr>
     <a:masterClrMapping/>
@@ -1253,13 +1146,7 @@
       </p:grpSpPr>
       <p:sp>
         <p:nvSpPr>
-          <p:cNvPr id="2" name="竖排标题 1">
-            <a:extLst>
-              <a:ext uri="{FF2B5EF4-FFF2-40B4-BE49-F238E27FC236}">
-                <a16:creationId xmlns:a16="http://schemas.microsoft.com/office/drawing/2014/main" id="{70E5AD9C-68B3-4C3B-887D-DE240F555FE0}"/>
-              </a:ext>
-            </a:extLst>
-          </p:cNvPr>
+          <p:cNvPr id="2" name="竖排标题 1"/>
           <p:cNvSpPr>
             <a:spLocks noGrp="1"/>
           </p:cNvSpPr>
@@ -1281,23 +1168,18 @@
               <a:rPr lang="zh-CN" altLang="en-US"/>
               <a:t>单击此处编辑母版标题样式</a:t>
             </a:r>
-          </a:p>
-        </p:txBody>
-      </p:sp>
-      <p:sp>
-        <p:nvSpPr>
-          <p:cNvPr id="3" name="竖排文字占位符 2">
-            <a:extLst>
-              <a:ext uri="{FF2B5EF4-FFF2-40B4-BE49-F238E27FC236}">
-                <a16:creationId xmlns:a16="http://schemas.microsoft.com/office/drawing/2014/main" id="{7A953D9D-E4EB-4007-B460-AAFED0E40B6D}"/>
-              </a:ext>
-            </a:extLst>
-          </p:cNvPr>
+            <a:endParaRPr lang="zh-CN" altLang="en-US"/>
+          </a:p>
+        </p:txBody>
+      </p:sp>
+      <p:sp>
+        <p:nvSpPr>
+          <p:cNvPr id="3" name="竖排文字占位符 2"/>
           <p:cNvSpPr>
             <a:spLocks noGrp="1"/>
           </p:cNvSpPr>
           <p:nvPr>
-            <p:ph type="body" orient="vert" idx="1"/>
+            <p:ph type="body" orient="vert" idx="1" hasCustomPrompt="1"/>
           </p:nvPr>
         </p:nvSpPr>
         <p:spPr>
@@ -1315,6 +1197,7 @@
               <a:rPr lang="zh-CN" altLang="en-US"/>
               <a:t>编辑母版文本样式</a:t>
             </a:r>
+            <a:endParaRPr lang="zh-CN" altLang="en-US"/>
           </a:p>
           <a:p>
             <a:pPr lvl="1"/>
@@ -1322,6 +1205,7 @@
               <a:rPr lang="zh-CN" altLang="en-US"/>
               <a:t>第二级</a:t>
             </a:r>
+            <a:endParaRPr lang="zh-CN" altLang="en-US"/>
           </a:p>
           <a:p>
             <a:pPr lvl="2"/>
@@ -1329,6 +1213,7 @@
               <a:rPr lang="zh-CN" altLang="en-US"/>
               <a:t>第三级</a:t>
             </a:r>
+            <a:endParaRPr lang="zh-CN" altLang="en-US"/>
           </a:p>
           <a:p>
             <a:pPr lvl="3"/>
@@ -1336,6 +1221,7 @@
               <a:rPr lang="zh-CN" altLang="en-US"/>
               <a:t>第四级</a:t>
             </a:r>
+            <a:endParaRPr lang="zh-CN" altLang="en-US"/>
           </a:p>
           <a:p>
             <a:pPr lvl="4"/>
@@ -1343,18 +1229,13 @@
               <a:rPr lang="zh-CN" altLang="en-US"/>
               <a:t>第五级</a:t>
             </a:r>
-          </a:p>
-        </p:txBody>
-      </p:sp>
-      <p:sp>
-        <p:nvSpPr>
-          <p:cNvPr id="4" name="日期占位符 3">
-            <a:extLst>
-              <a:ext uri="{FF2B5EF4-FFF2-40B4-BE49-F238E27FC236}">
-                <a16:creationId xmlns:a16="http://schemas.microsoft.com/office/drawing/2014/main" id="{C461C883-B4FE-4DA1-9CDB-9ECD94F759F4}"/>
-              </a:ext>
-            </a:extLst>
-          </p:cNvPr>
+            <a:endParaRPr lang="zh-CN" altLang="en-US"/>
+          </a:p>
+        </p:txBody>
+      </p:sp>
+      <p:sp>
+        <p:nvSpPr>
+          <p:cNvPr id="4" name="日期占位符 3"/>
           <p:cNvSpPr>
             <a:spLocks noGrp="1"/>
           </p:cNvSpPr>
@@ -1369,7 +1250,6 @@
           <a:p>
             <a:fld id="{18BFEB81-CF16-4D4E-A4F1-ACCE12D5F744}" type="datetimeFigureOut">
               <a:rPr lang="zh-CN" altLang="en-US" smtClean="0"/>
-              <a:t>2018/12/16</a:t>
             </a:fld>
             <a:endParaRPr lang="zh-CN" altLang="en-US"/>
           </a:p>
@@ -1377,13 +1257,7 @@
       </p:sp>
       <p:sp>
         <p:nvSpPr>
-          <p:cNvPr id="5" name="页脚占位符 4">
-            <a:extLst>
-              <a:ext uri="{FF2B5EF4-FFF2-40B4-BE49-F238E27FC236}">
-                <a16:creationId xmlns:a16="http://schemas.microsoft.com/office/drawing/2014/main" id="{283C6823-507A-47FA-80B2-424C50125C6A}"/>
-              </a:ext>
-            </a:extLst>
-          </p:cNvPr>
+          <p:cNvPr id="5" name="页脚占位符 4"/>
           <p:cNvSpPr>
             <a:spLocks noGrp="1"/>
           </p:cNvSpPr>
@@ -1402,13 +1276,7 @@
       </p:sp>
       <p:sp>
         <p:nvSpPr>
-          <p:cNvPr id="6" name="灯片编号占位符 5">
-            <a:extLst>
-              <a:ext uri="{FF2B5EF4-FFF2-40B4-BE49-F238E27FC236}">
-                <a16:creationId xmlns:a16="http://schemas.microsoft.com/office/drawing/2014/main" id="{871DE658-7B98-4E02-9ABA-65FA3068AB36}"/>
-              </a:ext>
-            </a:extLst>
-          </p:cNvPr>
+          <p:cNvPr id="6" name="灯片编号占位符 5"/>
           <p:cNvSpPr>
             <a:spLocks noGrp="1"/>
           </p:cNvSpPr>
@@ -1423,18 +1291,12 @@
           <a:p>
             <a:fld id="{449F378F-9CAD-46CF-9BE1-E3D4453E1612}" type="slidenum">
               <a:rPr lang="zh-CN" altLang="en-US" smtClean="0"/>
-              <a:t>‹#›</a:t>
             </a:fld>
             <a:endParaRPr lang="zh-CN" altLang="en-US"/>
           </a:p>
         </p:txBody>
       </p:sp>
     </p:spTree>
-    <p:extLst>
-      <p:ext uri="{BB962C8B-B14F-4D97-AF65-F5344CB8AC3E}">
-        <p14:creationId xmlns:p14="http://schemas.microsoft.com/office/powerpoint/2010/main" val="3201665333"/>
-      </p:ext>
-    </p:extLst>
   </p:cSld>
   <p:clrMapOvr>
     <a:masterClrMapping/>
@@ -1461,13 +1323,7 @@
       </p:grpSpPr>
       <p:sp>
         <p:nvSpPr>
-          <p:cNvPr id="2" name="标题 1">
-            <a:extLst>
-              <a:ext uri="{FF2B5EF4-FFF2-40B4-BE49-F238E27FC236}">
-                <a16:creationId xmlns:a16="http://schemas.microsoft.com/office/drawing/2014/main" id="{4F7475E2-581E-4CA8-99D0-71530B1680ED}"/>
-              </a:ext>
-            </a:extLst>
-          </p:cNvPr>
+          <p:cNvPr id="2" name="标题 1"/>
           <p:cNvSpPr>
             <a:spLocks noGrp="1"/>
           </p:cNvSpPr>
@@ -1484,23 +1340,18 @@
               <a:rPr lang="zh-CN" altLang="en-US"/>
               <a:t>单击此处编辑母版标题样式</a:t>
             </a:r>
-          </a:p>
-        </p:txBody>
-      </p:sp>
-      <p:sp>
-        <p:nvSpPr>
-          <p:cNvPr id="3" name="内容占位符 2">
-            <a:extLst>
-              <a:ext uri="{FF2B5EF4-FFF2-40B4-BE49-F238E27FC236}">
-                <a16:creationId xmlns:a16="http://schemas.microsoft.com/office/drawing/2014/main" id="{192639D9-DE96-4AB9-B1F9-E55787A733AA}"/>
-              </a:ext>
-            </a:extLst>
-          </p:cNvPr>
+            <a:endParaRPr lang="zh-CN" altLang="en-US"/>
+          </a:p>
+        </p:txBody>
+      </p:sp>
+      <p:sp>
+        <p:nvSpPr>
+          <p:cNvPr id="3" name="内容占位符 2"/>
           <p:cNvSpPr>
             <a:spLocks noGrp="1"/>
           </p:cNvSpPr>
           <p:nvPr>
-            <p:ph idx="1"/>
+            <p:ph idx="1" hasCustomPrompt="1"/>
           </p:nvPr>
         </p:nvSpPr>
         <p:spPr/>
@@ -1513,6 +1364,7 @@
               <a:rPr lang="zh-CN" altLang="en-US"/>
               <a:t>编辑母版文本样式</a:t>
             </a:r>
+            <a:endParaRPr lang="zh-CN" altLang="en-US"/>
           </a:p>
           <a:p>
             <a:pPr lvl="1"/>
@@ -1520,6 +1372,7 @@
               <a:rPr lang="zh-CN" altLang="en-US"/>
               <a:t>第二级</a:t>
             </a:r>
+            <a:endParaRPr lang="zh-CN" altLang="en-US"/>
           </a:p>
           <a:p>
             <a:pPr lvl="2"/>
@@ -1527,6 +1380,7 @@
               <a:rPr lang="zh-CN" altLang="en-US"/>
               <a:t>第三级</a:t>
             </a:r>
+            <a:endParaRPr lang="zh-CN" altLang="en-US"/>
           </a:p>
           <a:p>
             <a:pPr lvl="3"/>
@@ -1534,6 +1388,7 @@
               <a:rPr lang="zh-CN" altLang="en-US"/>
               <a:t>第四级</a:t>
             </a:r>
+            <a:endParaRPr lang="zh-CN" altLang="en-US"/>
           </a:p>
           <a:p>
             <a:pPr lvl="4"/>
@@ -1541,18 +1396,13 @@
               <a:rPr lang="zh-CN" altLang="en-US"/>
               <a:t>第五级</a:t>
             </a:r>
-          </a:p>
-        </p:txBody>
-      </p:sp>
-      <p:sp>
-        <p:nvSpPr>
-          <p:cNvPr id="4" name="日期占位符 3">
-            <a:extLst>
-              <a:ext uri="{FF2B5EF4-FFF2-40B4-BE49-F238E27FC236}">
-                <a16:creationId xmlns:a16="http://schemas.microsoft.com/office/drawing/2014/main" id="{9979EDA6-03AA-4B65-BAC4-CEE179C63195}"/>
-              </a:ext>
-            </a:extLst>
-          </p:cNvPr>
+            <a:endParaRPr lang="zh-CN" altLang="en-US"/>
+          </a:p>
+        </p:txBody>
+      </p:sp>
+      <p:sp>
+        <p:nvSpPr>
+          <p:cNvPr id="4" name="日期占位符 3"/>
           <p:cNvSpPr>
             <a:spLocks noGrp="1"/>
           </p:cNvSpPr>
@@ -1567,7 +1417,6 @@
           <a:p>
             <a:fld id="{18BFEB81-CF16-4D4E-A4F1-ACCE12D5F744}" type="datetimeFigureOut">
               <a:rPr lang="zh-CN" altLang="en-US" smtClean="0"/>
-              <a:t>2018/12/16</a:t>
             </a:fld>
             <a:endParaRPr lang="zh-CN" altLang="en-US"/>
           </a:p>
@@ -1575,13 +1424,7 @@
       </p:sp>
       <p:sp>
         <p:nvSpPr>
-          <p:cNvPr id="5" name="页脚占位符 4">
-            <a:extLst>
-              <a:ext uri="{FF2B5EF4-FFF2-40B4-BE49-F238E27FC236}">
-                <a16:creationId xmlns:a16="http://schemas.microsoft.com/office/drawing/2014/main" id="{81EAC766-0A00-4A9F-AEA4-9AABF91249FB}"/>
-              </a:ext>
-            </a:extLst>
-          </p:cNvPr>
+          <p:cNvPr id="5" name="页脚占位符 4"/>
           <p:cNvSpPr>
             <a:spLocks noGrp="1"/>
           </p:cNvSpPr>
@@ -1600,13 +1443,7 @@
       </p:sp>
       <p:sp>
         <p:nvSpPr>
-          <p:cNvPr id="6" name="灯片编号占位符 5">
-            <a:extLst>
-              <a:ext uri="{FF2B5EF4-FFF2-40B4-BE49-F238E27FC236}">
-                <a16:creationId xmlns:a16="http://schemas.microsoft.com/office/drawing/2014/main" id="{3369BB63-7D93-43CA-8FED-114FD5726BAC}"/>
-              </a:ext>
-            </a:extLst>
-          </p:cNvPr>
+          <p:cNvPr id="6" name="灯片编号占位符 5"/>
           <p:cNvSpPr>
             <a:spLocks noGrp="1"/>
           </p:cNvSpPr>
@@ -1621,18 +1458,12 @@
           <a:p>
             <a:fld id="{449F378F-9CAD-46CF-9BE1-E3D4453E1612}" type="slidenum">
               <a:rPr lang="zh-CN" altLang="en-US" smtClean="0"/>
-              <a:t>‹#›</a:t>
             </a:fld>
             <a:endParaRPr lang="zh-CN" altLang="en-US"/>
           </a:p>
         </p:txBody>
       </p:sp>
     </p:spTree>
-    <p:extLst>
-      <p:ext uri="{BB962C8B-B14F-4D97-AF65-F5344CB8AC3E}">
-        <p14:creationId xmlns:p14="http://schemas.microsoft.com/office/powerpoint/2010/main" val="2461627267"/>
-      </p:ext>
-    </p:extLst>
   </p:cSld>
   <p:clrMapOvr>
     <a:masterClrMapping/>
@@ -1659,13 +1490,7 @@
       </p:grpSpPr>
       <p:sp>
         <p:nvSpPr>
-          <p:cNvPr id="2" name="标题 1">
-            <a:extLst>
-              <a:ext uri="{FF2B5EF4-FFF2-40B4-BE49-F238E27FC236}">
-                <a16:creationId xmlns:a16="http://schemas.microsoft.com/office/drawing/2014/main" id="{6B42BEED-F723-47DB-A745-36AB317E9FEE}"/>
-              </a:ext>
-            </a:extLst>
-          </p:cNvPr>
+          <p:cNvPr id="2" name="标题 1"/>
           <p:cNvSpPr>
             <a:spLocks noGrp="1"/>
           </p:cNvSpPr>
@@ -1691,23 +1516,18 @@
               <a:rPr lang="zh-CN" altLang="en-US"/>
               <a:t>单击此处编辑母版标题样式</a:t>
             </a:r>
-          </a:p>
-        </p:txBody>
-      </p:sp>
-      <p:sp>
-        <p:nvSpPr>
-          <p:cNvPr id="3" name="文本占位符 2">
-            <a:extLst>
-              <a:ext uri="{FF2B5EF4-FFF2-40B4-BE49-F238E27FC236}">
-                <a16:creationId xmlns:a16="http://schemas.microsoft.com/office/drawing/2014/main" id="{A1F956D7-B9B2-4810-9070-A13F67386280}"/>
-              </a:ext>
-            </a:extLst>
-          </p:cNvPr>
+            <a:endParaRPr lang="zh-CN" altLang="en-US"/>
+          </a:p>
+        </p:txBody>
+      </p:sp>
+      <p:sp>
+        <p:nvSpPr>
+          <p:cNvPr id="3" name="文本占位符 2"/>
           <p:cNvSpPr>
             <a:spLocks noGrp="1"/>
           </p:cNvSpPr>
           <p:nvPr>
-            <p:ph type="body" idx="1"/>
+            <p:ph type="body" idx="1" hasCustomPrompt="1"/>
           </p:nvPr>
         </p:nvSpPr>
         <p:spPr>
@@ -1816,18 +1636,13 @@
               <a:rPr lang="zh-CN" altLang="en-US"/>
               <a:t>编辑母版文本样式</a:t>
             </a:r>
-          </a:p>
-        </p:txBody>
-      </p:sp>
-      <p:sp>
-        <p:nvSpPr>
-          <p:cNvPr id="4" name="日期占位符 3">
-            <a:extLst>
-              <a:ext uri="{FF2B5EF4-FFF2-40B4-BE49-F238E27FC236}">
-                <a16:creationId xmlns:a16="http://schemas.microsoft.com/office/drawing/2014/main" id="{24325D1B-3FB2-4C3A-B3D8-0F04D3CBF11E}"/>
-              </a:ext>
-            </a:extLst>
-          </p:cNvPr>
+            <a:endParaRPr lang="zh-CN" altLang="en-US"/>
+          </a:p>
+        </p:txBody>
+      </p:sp>
+      <p:sp>
+        <p:nvSpPr>
+          <p:cNvPr id="4" name="日期占位符 3"/>
           <p:cNvSpPr>
             <a:spLocks noGrp="1"/>
           </p:cNvSpPr>
@@ -1842,7 +1657,6 @@
           <a:p>
             <a:fld id="{18BFEB81-CF16-4D4E-A4F1-ACCE12D5F744}" type="datetimeFigureOut">
               <a:rPr lang="zh-CN" altLang="en-US" smtClean="0"/>
-              <a:t>2018/12/16</a:t>
             </a:fld>
             <a:endParaRPr lang="zh-CN" altLang="en-US"/>
           </a:p>
@@ -1850,13 +1664,7 @@
       </p:sp>
       <p:sp>
         <p:nvSpPr>
-          <p:cNvPr id="5" name="页脚占位符 4">
-            <a:extLst>
-              <a:ext uri="{FF2B5EF4-FFF2-40B4-BE49-F238E27FC236}">
-                <a16:creationId xmlns:a16="http://schemas.microsoft.com/office/drawing/2014/main" id="{0FFD946D-AA45-43B9-8B93-1840FD628EE2}"/>
-              </a:ext>
-            </a:extLst>
-          </p:cNvPr>
+          <p:cNvPr id="5" name="页脚占位符 4"/>
           <p:cNvSpPr>
             <a:spLocks noGrp="1"/>
           </p:cNvSpPr>
@@ -1875,13 +1683,7 @@
       </p:sp>
       <p:sp>
         <p:nvSpPr>
-          <p:cNvPr id="6" name="灯片编号占位符 5">
-            <a:extLst>
-              <a:ext uri="{FF2B5EF4-FFF2-40B4-BE49-F238E27FC236}">
-                <a16:creationId xmlns:a16="http://schemas.microsoft.com/office/drawing/2014/main" id="{1234D01D-D08D-46B5-867D-1CC88F913D6D}"/>
-              </a:ext>
-            </a:extLst>
-          </p:cNvPr>
+          <p:cNvPr id="6" name="灯片编号占位符 5"/>
           <p:cNvSpPr>
             <a:spLocks noGrp="1"/>
           </p:cNvSpPr>
@@ -1896,18 +1698,12 @@
           <a:p>
             <a:fld id="{449F378F-9CAD-46CF-9BE1-E3D4453E1612}" type="slidenum">
               <a:rPr lang="zh-CN" altLang="en-US" smtClean="0"/>
-              <a:t>‹#›</a:t>
             </a:fld>
             <a:endParaRPr lang="zh-CN" altLang="en-US"/>
           </a:p>
         </p:txBody>
       </p:sp>
     </p:spTree>
-    <p:extLst>
-      <p:ext uri="{BB962C8B-B14F-4D97-AF65-F5344CB8AC3E}">
-        <p14:creationId xmlns:p14="http://schemas.microsoft.com/office/powerpoint/2010/main" val="394447096"/>
-      </p:ext>
-    </p:extLst>
   </p:cSld>
   <p:clrMapOvr>
     <a:masterClrMapping/>
@@ -1934,13 +1730,7 @@
       </p:grpSpPr>
       <p:sp>
         <p:nvSpPr>
-          <p:cNvPr id="2" name="标题 1">
-            <a:extLst>
-              <a:ext uri="{FF2B5EF4-FFF2-40B4-BE49-F238E27FC236}">
-                <a16:creationId xmlns:a16="http://schemas.microsoft.com/office/drawing/2014/main" id="{162E8711-B37E-40BD-A304-9D4B3E641069}"/>
-              </a:ext>
-            </a:extLst>
-          </p:cNvPr>
+          <p:cNvPr id="2" name="标题 1"/>
           <p:cNvSpPr>
             <a:spLocks noGrp="1"/>
           </p:cNvSpPr>
@@ -1957,23 +1747,18 @@
               <a:rPr lang="zh-CN" altLang="en-US"/>
               <a:t>单击此处编辑母版标题样式</a:t>
             </a:r>
-          </a:p>
-        </p:txBody>
-      </p:sp>
-      <p:sp>
-        <p:nvSpPr>
-          <p:cNvPr id="3" name="内容占位符 2">
-            <a:extLst>
-              <a:ext uri="{FF2B5EF4-FFF2-40B4-BE49-F238E27FC236}">
-                <a16:creationId xmlns:a16="http://schemas.microsoft.com/office/drawing/2014/main" id="{05693E7D-3657-482B-9D95-FECD9C1C6C6A}"/>
-              </a:ext>
-            </a:extLst>
-          </p:cNvPr>
+            <a:endParaRPr lang="zh-CN" altLang="en-US"/>
+          </a:p>
+        </p:txBody>
+      </p:sp>
+      <p:sp>
+        <p:nvSpPr>
+          <p:cNvPr id="3" name="内容占位符 2"/>
           <p:cNvSpPr>
             <a:spLocks noGrp="1"/>
           </p:cNvSpPr>
           <p:nvPr>
-            <p:ph sz="half" idx="1"/>
+            <p:ph sz="half" idx="1" hasCustomPrompt="1"/>
           </p:nvPr>
         </p:nvSpPr>
         <p:spPr>
@@ -1991,6 +1776,7 @@
               <a:rPr lang="zh-CN" altLang="en-US"/>
               <a:t>编辑母版文本样式</a:t>
             </a:r>
+            <a:endParaRPr lang="zh-CN" altLang="en-US"/>
           </a:p>
           <a:p>
             <a:pPr lvl="1"/>
@@ -1998,6 +1784,7 @@
               <a:rPr lang="zh-CN" altLang="en-US"/>
               <a:t>第二级</a:t>
             </a:r>
+            <a:endParaRPr lang="zh-CN" altLang="en-US"/>
           </a:p>
           <a:p>
             <a:pPr lvl="2"/>
@@ -2005,6 +1792,7 @@
               <a:rPr lang="zh-CN" altLang="en-US"/>
               <a:t>第三级</a:t>
             </a:r>
+            <a:endParaRPr lang="zh-CN" altLang="en-US"/>
           </a:p>
           <a:p>
             <a:pPr lvl="3"/>
@@ -2012,6 +1800,7 @@
               <a:rPr lang="zh-CN" altLang="en-US"/>
               <a:t>第四级</a:t>
             </a:r>
+            <a:endParaRPr lang="zh-CN" altLang="en-US"/>
           </a:p>
           <a:p>
             <a:pPr lvl="4"/>
@@ -2019,23 +1808,18 @@
               <a:rPr lang="zh-CN" altLang="en-US"/>
               <a:t>第五级</a:t>
             </a:r>
-          </a:p>
-        </p:txBody>
-      </p:sp>
-      <p:sp>
-        <p:nvSpPr>
-          <p:cNvPr id="4" name="内容占位符 3">
-            <a:extLst>
-              <a:ext uri="{FF2B5EF4-FFF2-40B4-BE49-F238E27FC236}">
-                <a16:creationId xmlns:a16="http://schemas.microsoft.com/office/drawing/2014/main" id="{4113857D-F3ED-4710-92C5-EA22DDACD31E}"/>
-              </a:ext>
-            </a:extLst>
-          </p:cNvPr>
+            <a:endParaRPr lang="zh-CN" altLang="en-US"/>
+          </a:p>
+        </p:txBody>
+      </p:sp>
+      <p:sp>
+        <p:nvSpPr>
+          <p:cNvPr id="4" name="内容占位符 3"/>
           <p:cNvSpPr>
             <a:spLocks noGrp="1"/>
           </p:cNvSpPr>
           <p:nvPr>
-            <p:ph sz="half" idx="2"/>
+            <p:ph sz="half" idx="2" hasCustomPrompt="1"/>
           </p:nvPr>
         </p:nvSpPr>
         <p:spPr>
@@ -2053,6 +1837,7 @@
               <a:rPr lang="zh-CN" altLang="en-US"/>
               <a:t>编辑母版文本样式</a:t>
             </a:r>
+            <a:endParaRPr lang="zh-CN" altLang="en-US"/>
           </a:p>
           <a:p>
             <a:pPr lvl="1"/>
@@ -2060,6 +1845,7 @@
               <a:rPr lang="zh-CN" altLang="en-US"/>
               <a:t>第二级</a:t>
             </a:r>
+            <a:endParaRPr lang="zh-CN" altLang="en-US"/>
           </a:p>
           <a:p>
             <a:pPr lvl="2"/>
@@ -2067,6 +1853,7 @@
               <a:rPr lang="zh-CN" altLang="en-US"/>
               <a:t>第三级</a:t>
             </a:r>
+            <a:endParaRPr lang="zh-CN" altLang="en-US"/>
           </a:p>
           <a:p>
             <a:pPr lvl="3"/>
@@ -2074,6 +1861,7 @@
               <a:rPr lang="zh-CN" altLang="en-US"/>
               <a:t>第四级</a:t>
             </a:r>
+            <a:endParaRPr lang="zh-CN" altLang="en-US"/>
           </a:p>
           <a:p>
             <a:pPr lvl="4"/>
@@ -2081,18 +1869,13 @@
               <a:rPr lang="zh-CN" altLang="en-US"/>
               <a:t>第五级</a:t>
             </a:r>
-          </a:p>
-        </p:txBody>
-      </p:sp>
-      <p:sp>
-        <p:nvSpPr>
-          <p:cNvPr id="5" name="日期占位符 4">
-            <a:extLst>
-              <a:ext uri="{FF2B5EF4-FFF2-40B4-BE49-F238E27FC236}">
-                <a16:creationId xmlns:a16="http://schemas.microsoft.com/office/drawing/2014/main" id="{51E6E87B-D5F0-4484-8309-DE6BDC2E302C}"/>
-              </a:ext>
-            </a:extLst>
-          </p:cNvPr>
+            <a:endParaRPr lang="zh-CN" altLang="en-US"/>
+          </a:p>
+        </p:txBody>
+      </p:sp>
+      <p:sp>
+        <p:nvSpPr>
+          <p:cNvPr id="5" name="日期占位符 4"/>
           <p:cNvSpPr>
             <a:spLocks noGrp="1"/>
           </p:cNvSpPr>
@@ -2107,7 +1890,6 @@
           <a:p>
             <a:fld id="{18BFEB81-CF16-4D4E-A4F1-ACCE12D5F744}" type="datetimeFigureOut">
               <a:rPr lang="zh-CN" altLang="en-US" smtClean="0"/>
-              <a:t>2018/12/16</a:t>
             </a:fld>
             <a:endParaRPr lang="zh-CN" altLang="en-US"/>
           </a:p>
@@ -2115,13 +1897,7 @@
       </p:sp>
       <p:sp>
         <p:nvSpPr>
-          <p:cNvPr id="6" name="页脚占位符 5">
-            <a:extLst>
-              <a:ext uri="{FF2B5EF4-FFF2-40B4-BE49-F238E27FC236}">
-                <a16:creationId xmlns:a16="http://schemas.microsoft.com/office/drawing/2014/main" id="{730BF75F-381C-46C9-B3F2-957D8715ABC9}"/>
-              </a:ext>
-            </a:extLst>
-          </p:cNvPr>
+          <p:cNvPr id="6" name="页脚占位符 5"/>
           <p:cNvSpPr>
             <a:spLocks noGrp="1"/>
           </p:cNvSpPr>
@@ -2140,13 +1916,7 @@
       </p:sp>
       <p:sp>
         <p:nvSpPr>
-          <p:cNvPr id="7" name="灯片编号占位符 6">
-            <a:extLst>
-              <a:ext uri="{FF2B5EF4-FFF2-40B4-BE49-F238E27FC236}">
-                <a16:creationId xmlns:a16="http://schemas.microsoft.com/office/drawing/2014/main" id="{FB3F81FD-BDF3-46D5-821D-71C2B093984C}"/>
-              </a:ext>
-            </a:extLst>
-          </p:cNvPr>
+          <p:cNvPr id="7" name="灯片编号占位符 6"/>
           <p:cNvSpPr>
             <a:spLocks noGrp="1"/>
           </p:cNvSpPr>
@@ -2161,18 +1931,12 @@
           <a:p>
             <a:fld id="{449F378F-9CAD-46CF-9BE1-E3D4453E1612}" type="slidenum">
               <a:rPr lang="zh-CN" altLang="en-US" smtClean="0"/>
-              <a:t>‹#›</a:t>
             </a:fld>
             <a:endParaRPr lang="zh-CN" altLang="en-US"/>
           </a:p>
         </p:txBody>
       </p:sp>
     </p:spTree>
-    <p:extLst>
-      <p:ext uri="{BB962C8B-B14F-4D97-AF65-F5344CB8AC3E}">
-        <p14:creationId xmlns:p14="http://schemas.microsoft.com/office/powerpoint/2010/main" val="258286746"/>
-      </p:ext>
-    </p:extLst>
   </p:cSld>
   <p:clrMapOvr>
     <a:masterClrMapping/>
@@ -2199,13 +1963,7 @@
       </p:grpSpPr>
       <p:sp>
         <p:nvSpPr>
-          <p:cNvPr id="2" name="标题 1">
-            <a:extLst>
-              <a:ext uri="{FF2B5EF4-FFF2-40B4-BE49-F238E27FC236}">
-                <a16:creationId xmlns:a16="http://schemas.microsoft.com/office/drawing/2014/main" id="{50BE6E09-7235-4346-900F-F042D3DE96D0}"/>
-              </a:ext>
-            </a:extLst>
-          </p:cNvPr>
+          <p:cNvPr id="2" name="标题 1"/>
           <p:cNvSpPr>
             <a:spLocks noGrp="1"/>
           </p:cNvSpPr>
@@ -2227,23 +1985,18 @@
               <a:rPr lang="zh-CN" altLang="en-US"/>
               <a:t>单击此处编辑母版标题样式</a:t>
             </a:r>
-          </a:p>
-        </p:txBody>
-      </p:sp>
-      <p:sp>
-        <p:nvSpPr>
-          <p:cNvPr id="3" name="文本占位符 2">
-            <a:extLst>
-              <a:ext uri="{FF2B5EF4-FFF2-40B4-BE49-F238E27FC236}">
-                <a16:creationId xmlns:a16="http://schemas.microsoft.com/office/drawing/2014/main" id="{3668D39D-27F0-4E97-80CF-005A0C81D4DB}"/>
-              </a:ext>
-            </a:extLst>
-          </p:cNvPr>
+            <a:endParaRPr lang="zh-CN" altLang="en-US"/>
+          </a:p>
+        </p:txBody>
+      </p:sp>
+      <p:sp>
+        <p:nvSpPr>
+          <p:cNvPr id="3" name="文本占位符 2"/>
           <p:cNvSpPr>
             <a:spLocks noGrp="1"/>
           </p:cNvSpPr>
           <p:nvPr>
-            <p:ph type="body" idx="1"/>
+            <p:ph type="body" idx="1" hasCustomPrompt="1"/>
           </p:nvPr>
         </p:nvSpPr>
         <p:spPr>
@@ -2298,23 +2051,18 @@
               <a:rPr lang="zh-CN" altLang="en-US"/>
               <a:t>编辑母版文本样式</a:t>
             </a:r>
-          </a:p>
-        </p:txBody>
-      </p:sp>
-      <p:sp>
-        <p:nvSpPr>
-          <p:cNvPr id="4" name="内容占位符 3">
-            <a:extLst>
-              <a:ext uri="{FF2B5EF4-FFF2-40B4-BE49-F238E27FC236}">
-                <a16:creationId xmlns:a16="http://schemas.microsoft.com/office/drawing/2014/main" id="{91A65EB8-631A-4FA3-8BB8-05335C9C238D}"/>
-              </a:ext>
-            </a:extLst>
-          </p:cNvPr>
+            <a:endParaRPr lang="zh-CN" altLang="en-US"/>
+          </a:p>
+        </p:txBody>
+      </p:sp>
+      <p:sp>
+        <p:nvSpPr>
+          <p:cNvPr id="4" name="内容占位符 3"/>
           <p:cNvSpPr>
             <a:spLocks noGrp="1"/>
           </p:cNvSpPr>
           <p:nvPr>
-            <p:ph sz="half" idx="2"/>
+            <p:ph sz="half" idx="2" hasCustomPrompt="1"/>
           </p:nvPr>
         </p:nvSpPr>
         <p:spPr>
@@ -2332,6 +2080,7 @@
               <a:rPr lang="zh-CN" altLang="en-US"/>
               <a:t>编辑母版文本样式</a:t>
             </a:r>
+            <a:endParaRPr lang="zh-CN" altLang="en-US"/>
           </a:p>
           <a:p>
             <a:pPr lvl="1"/>
@@ -2339,6 +2088,7 @@
               <a:rPr lang="zh-CN" altLang="en-US"/>
               <a:t>第二级</a:t>
             </a:r>
+            <a:endParaRPr lang="zh-CN" altLang="en-US"/>
           </a:p>
           <a:p>
             <a:pPr lvl="2"/>
@@ -2346,6 +2096,7 @@
               <a:rPr lang="zh-CN" altLang="en-US"/>
               <a:t>第三级</a:t>
             </a:r>
+            <a:endParaRPr lang="zh-CN" altLang="en-US"/>
           </a:p>
           <a:p>
             <a:pPr lvl="3"/>
@@ -2353,6 +2104,7 @@
               <a:rPr lang="zh-CN" altLang="en-US"/>
               <a:t>第四级</a:t>
             </a:r>
+            <a:endParaRPr lang="zh-CN" altLang="en-US"/>
           </a:p>
           <a:p>
             <a:pPr lvl="4"/>
@@ -2360,23 +2112,18 @@
               <a:rPr lang="zh-CN" altLang="en-US"/>
               <a:t>第五级</a:t>
             </a:r>
-          </a:p>
-        </p:txBody>
-      </p:sp>
-      <p:sp>
-        <p:nvSpPr>
-          <p:cNvPr id="5" name="文本占位符 4">
-            <a:extLst>
-              <a:ext uri="{FF2B5EF4-FFF2-40B4-BE49-F238E27FC236}">
-                <a16:creationId xmlns:a16="http://schemas.microsoft.com/office/drawing/2014/main" id="{4E31D947-C72E-4A90-97CF-2A3971B7B974}"/>
-              </a:ext>
-            </a:extLst>
-          </p:cNvPr>
+            <a:endParaRPr lang="zh-CN" altLang="en-US"/>
+          </a:p>
+        </p:txBody>
+      </p:sp>
+      <p:sp>
+        <p:nvSpPr>
+          <p:cNvPr id="5" name="文本占位符 4"/>
           <p:cNvSpPr>
             <a:spLocks noGrp="1"/>
           </p:cNvSpPr>
           <p:nvPr>
-            <p:ph type="body" sz="quarter" idx="3"/>
+            <p:ph type="body" sz="quarter" idx="3" hasCustomPrompt="1"/>
           </p:nvPr>
         </p:nvSpPr>
         <p:spPr>
@@ -2431,23 +2178,18 @@
               <a:rPr lang="zh-CN" altLang="en-US"/>
               <a:t>编辑母版文本样式</a:t>
             </a:r>
-          </a:p>
-        </p:txBody>
-      </p:sp>
-      <p:sp>
-        <p:nvSpPr>
-          <p:cNvPr id="6" name="内容占位符 5">
-            <a:extLst>
-              <a:ext uri="{FF2B5EF4-FFF2-40B4-BE49-F238E27FC236}">
-                <a16:creationId xmlns:a16="http://schemas.microsoft.com/office/drawing/2014/main" id="{DC3BF472-90DD-4EFB-BAC8-3E6F7671357F}"/>
-              </a:ext>
-            </a:extLst>
-          </p:cNvPr>
+            <a:endParaRPr lang="zh-CN" altLang="en-US"/>
+          </a:p>
+        </p:txBody>
+      </p:sp>
+      <p:sp>
+        <p:nvSpPr>
+          <p:cNvPr id="6" name="内容占位符 5"/>
           <p:cNvSpPr>
             <a:spLocks noGrp="1"/>
           </p:cNvSpPr>
           <p:nvPr>
-            <p:ph sz="quarter" idx="4"/>
+            <p:ph sz="quarter" idx="4" hasCustomPrompt="1"/>
           </p:nvPr>
         </p:nvSpPr>
         <p:spPr>
@@ -2465,6 +2207,7 @@
               <a:rPr lang="zh-CN" altLang="en-US"/>
               <a:t>编辑母版文本样式</a:t>
             </a:r>
+            <a:endParaRPr lang="zh-CN" altLang="en-US"/>
           </a:p>
           <a:p>
             <a:pPr lvl="1"/>
@@ -2472,6 +2215,7 @@
               <a:rPr lang="zh-CN" altLang="en-US"/>
               <a:t>第二级</a:t>
             </a:r>
+            <a:endParaRPr lang="zh-CN" altLang="en-US"/>
           </a:p>
           <a:p>
             <a:pPr lvl="2"/>
@@ -2479,6 +2223,7 @@
               <a:rPr lang="zh-CN" altLang="en-US"/>
               <a:t>第三级</a:t>
             </a:r>
+            <a:endParaRPr lang="zh-CN" altLang="en-US"/>
           </a:p>
           <a:p>
             <a:pPr lvl="3"/>
@@ -2486,6 +2231,7 @@
               <a:rPr lang="zh-CN" altLang="en-US"/>
               <a:t>第四级</a:t>
             </a:r>
+            <a:endParaRPr lang="zh-CN" altLang="en-US"/>
           </a:p>
           <a:p>
             <a:pPr lvl="4"/>
@@ -2493,18 +2239,13 @@
               <a:rPr lang="zh-CN" altLang="en-US"/>
               <a:t>第五级</a:t>
             </a:r>
-          </a:p>
-        </p:txBody>
-      </p:sp>
-      <p:sp>
-        <p:nvSpPr>
-          <p:cNvPr id="7" name="日期占位符 6">
-            <a:extLst>
-              <a:ext uri="{FF2B5EF4-FFF2-40B4-BE49-F238E27FC236}">
-                <a16:creationId xmlns:a16="http://schemas.microsoft.com/office/drawing/2014/main" id="{814C22BD-A8D3-4567-B4D6-8D9FDF2E5C6A}"/>
-              </a:ext>
-            </a:extLst>
-          </p:cNvPr>
+            <a:endParaRPr lang="zh-CN" altLang="en-US"/>
+          </a:p>
+        </p:txBody>
+      </p:sp>
+      <p:sp>
+        <p:nvSpPr>
+          <p:cNvPr id="7" name="日期占位符 6"/>
           <p:cNvSpPr>
             <a:spLocks noGrp="1"/>
           </p:cNvSpPr>
@@ -2519,7 +2260,6 @@
           <a:p>
             <a:fld id="{18BFEB81-CF16-4D4E-A4F1-ACCE12D5F744}" type="datetimeFigureOut">
               <a:rPr lang="zh-CN" altLang="en-US" smtClean="0"/>
-              <a:t>2018/12/16</a:t>
             </a:fld>
             <a:endParaRPr lang="zh-CN" altLang="en-US"/>
           </a:p>
@@ -2527,13 +2267,7 @@
       </p:sp>
       <p:sp>
         <p:nvSpPr>
-          <p:cNvPr id="8" name="页脚占位符 7">
-            <a:extLst>
-              <a:ext uri="{FF2B5EF4-FFF2-40B4-BE49-F238E27FC236}">
-                <a16:creationId xmlns:a16="http://schemas.microsoft.com/office/drawing/2014/main" id="{CBCADCB3-A2D1-49A4-B3F0-F3F8E5F6969B}"/>
-              </a:ext>
-            </a:extLst>
-          </p:cNvPr>
+          <p:cNvPr id="8" name="页脚占位符 7"/>
           <p:cNvSpPr>
             <a:spLocks noGrp="1"/>
           </p:cNvSpPr>
@@ -2552,13 +2286,7 @@
       </p:sp>
       <p:sp>
         <p:nvSpPr>
-          <p:cNvPr id="9" name="灯片编号占位符 8">
-            <a:extLst>
-              <a:ext uri="{FF2B5EF4-FFF2-40B4-BE49-F238E27FC236}">
-                <a16:creationId xmlns:a16="http://schemas.microsoft.com/office/drawing/2014/main" id="{B29B65BC-73BE-4C67-A3F4-DD557A76B1CD}"/>
-              </a:ext>
-            </a:extLst>
-          </p:cNvPr>
+          <p:cNvPr id="9" name="灯片编号占位符 8"/>
           <p:cNvSpPr>
             <a:spLocks noGrp="1"/>
           </p:cNvSpPr>
@@ -2573,18 +2301,12 @@
           <a:p>
             <a:fld id="{449F378F-9CAD-46CF-9BE1-E3D4453E1612}" type="slidenum">
               <a:rPr lang="zh-CN" altLang="en-US" smtClean="0"/>
-              <a:t>‹#›</a:t>
             </a:fld>
             <a:endParaRPr lang="zh-CN" altLang="en-US"/>
           </a:p>
         </p:txBody>
       </p:sp>
     </p:spTree>
-    <p:extLst>
-      <p:ext uri="{BB962C8B-B14F-4D97-AF65-F5344CB8AC3E}">
-        <p14:creationId xmlns:p14="http://schemas.microsoft.com/office/powerpoint/2010/main" val="278418476"/>
-      </p:ext>
-    </p:extLst>
   </p:cSld>
   <p:clrMapOvr>
     <a:masterClrMapping/>
@@ -2611,13 +2333,7 @@
       </p:grpSpPr>
       <p:sp>
         <p:nvSpPr>
-          <p:cNvPr id="2" name="标题 1">
-            <a:extLst>
-              <a:ext uri="{FF2B5EF4-FFF2-40B4-BE49-F238E27FC236}">
-                <a16:creationId xmlns:a16="http://schemas.microsoft.com/office/drawing/2014/main" id="{F9709B53-6C5E-4F87-9E92-D6C95750F5DB}"/>
-              </a:ext>
-            </a:extLst>
-          </p:cNvPr>
+          <p:cNvPr id="2" name="标题 1"/>
           <p:cNvSpPr>
             <a:spLocks noGrp="1"/>
           </p:cNvSpPr>
@@ -2634,18 +2350,13 @@
               <a:rPr lang="zh-CN" altLang="en-US"/>
               <a:t>单击此处编辑母版标题样式</a:t>
             </a:r>
-          </a:p>
-        </p:txBody>
-      </p:sp>
-      <p:sp>
-        <p:nvSpPr>
-          <p:cNvPr id="3" name="日期占位符 2">
-            <a:extLst>
-              <a:ext uri="{FF2B5EF4-FFF2-40B4-BE49-F238E27FC236}">
-                <a16:creationId xmlns:a16="http://schemas.microsoft.com/office/drawing/2014/main" id="{0D14663A-33F9-48CF-B0F5-1070545DC4D7}"/>
-              </a:ext>
-            </a:extLst>
-          </p:cNvPr>
+            <a:endParaRPr lang="zh-CN" altLang="en-US"/>
+          </a:p>
+        </p:txBody>
+      </p:sp>
+      <p:sp>
+        <p:nvSpPr>
+          <p:cNvPr id="3" name="日期占位符 2"/>
           <p:cNvSpPr>
             <a:spLocks noGrp="1"/>
           </p:cNvSpPr>
@@ -2660,7 +2371,6 @@
           <a:p>
             <a:fld id="{18BFEB81-CF16-4D4E-A4F1-ACCE12D5F744}" type="datetimeFigureOut">
               <a:rPr lang="zh-CN" altLang="en-US" smtClean="0"/>
-              <a:t>2018/12/16</a:t>
             </a:fld>
             <a:endParaRPr lang="zh-CN" altLang="en-US"/>
           </a:p>
@@ -2668,13 +2378,7 @@
       </p:sp>
       <p:sp>
         <p:nvSpPr>
-          <p:cNvPr id="4" name="页脚占位符 3">
-            <a:extLst>
-              <a:ext uri="{FF2B5EF4-FFF2-40B4-BE49-F238E27FC236}">
-                <a16:creationId xmlns:a16="http://schemas.microsoft.com/office/drawing/2014/main" id="{0430D28C-5F78-4CF9-AD81-D811292CE217}"/>
-              </a:ext>
-            </a:extLst>
-          </p:cNvPr>
+          <p:cNvPr id="4" name="页脚占位符 3"/>
           <p:cNvSpPr>
             <a:spLocks noGrp="1"/>
           </p:cNvSpPr>
@@ -2693,13 +2397,7 @@
       </p:sp>
       <p:sp>
         <p:nvSpPr>
-          <p:cNvPr id="5" name="灯片编号占位符 4">
-            <a:extLst>
-              <a:ext uri="{FF2B5EF4-FFF2-40B4-BE49-F238E27FC236}">
-                <a16:creationId xmlns:a16="http://schemas.microsoft.com/office/drawing/2014/main" id="{D1704A29-5B34-4DA1-8B70-E5FEE783B7C2}"/>
-              </a:ext>
-            </a:extLst>
-          </p:cNvPr>
+          <p:cNvPr id="5" name="灯片编号占位符 4"/>
           <p:cNvSpPr>
             <a:spLocks noGrp="1"/>
           </p:cNvSpPr>
@@ -2714,18 +2412,12 @@
           <a:p>
             <a:fld id="{449F378F-9CAD-46CF-9BE1-E3D4453E1612}" type="slidenum">
               <a:rPr lang="zh-CN" altLang="en-US" smtClean="0"/>
-              <a:t>‹#›</a:t>
             </a:fld>
             <a:endParaRPr lang="zh-CN" altLang="en-US"/>
           </a:p>
         </p:txBody>
       </p:sp>
     </p:spTree>
-    <p:extLst>
-      <p:ext uri="{BB962C8B-B14F-4D97-AF65-F5344CB8AC3E}">
-        <p14:creationId xmlns:p14="http://schemas.microsoft.com/office/powerpoint/2010/main" val="3346941705"/>
-      </p:ext>
-    </p:extLst>
   </p:cSld>
   <p:clrMapOvr>
     <a:masterClrMapping/>
@@ -2752,13 +2444,7 @@
       </p:grpSpPr>
       <p:sp>
         <p:nvSpPr>
-          <p:cNvPr id="2" name="日期占位符 1">
-            <a:extLst>
-              <a:ext uri="{FF2B5EF4-FFF2-40B4-BE49-F238E27FC236}">
-                <a16:creationId xmlns:a16="http://schemas.microsoft.com/office/drawing/2014/main" id="{8EEF5F9B-E0D9-4020-8591-709D15D473B7}"/>
-              </a:ext>
-            </a:extLst>
-          </p:cNvPr>
+          <p:cNvPr id="2" name="日期占位符 1"/>
           <p:cNvSpPr>
             <a:spLocks noGrp="1"/>
           </p:cNvSpPr>
@@ -2773,7 +2459,6 @@
           <a:p>
             <a:fld id="{18BFEB81-CF16-4D4E-A4F1-ACCE12D5F744}" type="datetimeFigureOut">
               <a:rPr lang="zh-CN" altLang="en-US" smtClean="0"/>
-              <a:t>2018/12/16</a:t>
             </a:fld>
             <a:endParaRPr lang="zh-CN" altLang="en-US"/>
           </a:p>
@@ -2781,13 +2466,7 @@
       </p:sp>
       <p:sp>
         <p:nvSpPr>
-          <p:cNvPr id="3" name="页脚占位符 2">
-            <a:extLst>
-              <a:ext uri="{FF2B5EF4-FFF2-40B4-BE49-F238E27FC236}">
-                <a16:creationId xmlns:a16="http://schemas.microsoft.com/office/drawing/2014/main" id="{264A267C-4477-48A1-8174-32006F0965D0}"/>
-              </a:ext>
-            </a:extLst>
-          </p:cNvPr>
+          <p:cNvPr id="3" name="页脚占位符 2"/>
           <p:cNvSpPr>
             <a:spLocks noGrp="1"/>
           </p:cNvSpPr>
@@ -2806,13 +2485,7 @@
       </p:sp>
       <p:sp>
         <p:nvSpPr>
-          <p:cNvPr id="4" name="灯片编号占位符 3">
-            <a:extLst>
-              <a:ext uri="{FF2B5EF4-FFF2-40B4-BE49-F238E27FC236}">
-                <a16:creationId xmlns:a16="http://schemas.microsoft.com/office/drawing/2014/main" id="{477AB15B-CAA4-4A34-8303-26750602859C}"/>
-              </a:ext>
-            </a:extLst>
-          </p:cNvPr>
+          <p:cNvPr id="4" name="灯片编号占位符 3"/>
           <p:cNvSpPr>
             <a:spLocks noGrp="1"/>
           </p:cNvSpPr>
@@ -2827,18 +2500,12 @@
           <a:p>
             <a:fld id="{449F378F-9CAD-46CF-9BE1-E3D4453E1612}" type="slidenum">
               <a:rPr lang="zh-CN" altLang="en-US" smtClean="0"/>
-              <a:t>‹#›</a:t>
             </a:fld>
             <a:endParaRPr lang="zh-CN" altLang="en-US"/>
           </a:p>
         </p:txBody>
       </p:sp>
     </p:spTree>
-    <p:extLst>
-      <p:ext uri="{BB962C8B-B14F-4D97-AF65-F5344CB8AC3E}">
-        <p14:creationId xmlns:p14="http://schemas.microsoft.com/office/powerpoint/2010/main" val="1608299485"/>
-      </p:ext>
-    </p:extLst>
   </p:cSld>
   <p:clrMapOvr>
     <a:masterClrMapping/>
@@ -2865,13 +2532,7 @@
       </p:grpSpPr>
       <p:sp>
         <p:nvSpPr>
-          <p:cNvPr id="2" name="标题 1">
-            <a:extLst>
-              <a:ext uri="{FF2B5EF4-FFF2-40B4-BE49-F238E27FC236}">
-                <a16:creationId xmlns:a16="http://schemas.microsoft.com/office/drawing/2014/main" id="{11D30782-1EDD-48F5-989B-BB73384BAA52}"/>
-              </a:ext>
-            </a:extLst>
-          </p:cNvPr>
+          <p:cNvPr id="2" name="标题 1"/>
           <p:cNvSpPr>
             <a:spLocks noGrp="1"/>
           </p:cNvSpPr>
@@ -2897,23 +2558,18 @@
               <a:rPr lang="zh-CN" altLang="en-US"/>
               <a:t>单击此处编辑母版标题样式</a:t>
             </a:r>
-          </a:p>
-        </p:txBody>
-      </p:sp>
-      <p:sp>
-        <p:nvSpPr>
-          <p:cNvPr id="3" name="内容占位符 2">
-            <a:extLst>
-              <a:ext uri="{FF2B5EF4-FFF2-40B4-BE49-F238E27FC236}">
-                <a16:creationId xmlns:a16="http://schemas.microsoft.com/office/drawing/2014/main" id="{6B2B97DF-8143-4FF2-91CA-3C63F602271C}"/>
-              </a:ext>
-            </a:extLst>
-          </p:cNvPr>
+            <a:endParaRPr lang="zh-CN" altLang="en-US"/>
+          </a:p>
+        </p:txBody>
+      </p:sp>
+      <p:sp>
+        <p:nvSpPr>
+          <p:cNvPr id="3" name="内容占位符 2"/>
           <p:cNvSpPr>
             <a:spLocks noGrp="1"/>
           </p:cNvSpPr>
           <p:nvPr>
-            <p:ph idx="1"/>
+            <p:ph idx="1" hasCustomPrompt="1"/>
           </p:nvPr>
         </p:nvSpPr>
         <p:spPr>
@@ -2959,6 +2615,7 @@
               <a:rPr lang="zh-CN" altLang="en-US"/>
               <a:t>编辑母版文本样式</a:t>
             </a:r>
+            <a:endParaRPr lang="zh-CN" altLang="en-US"/>
           </a:p>
           <a:p>
             <a:pPr lvl="1"/>
@@ -2966,6 +2623,7 @@
               <a:rPr lang="zh-CN" altLang="en-US"/>
               <a:t>第二级</a:t>
             </a:r>
+            <a:endParaRPr lang="zh-CN" altLang="en-US"/>
           </a:p>
           <a:p>
             <a:pPr lvl="2"/>
@@ -2973,6 +2631,7 @@
               <a:rPr lang="zh-CN" altLang="en-US"/>
               <a:t>第三级</a:t>
             </a:r>
+            <a:endParaRPr lang="zh-CN" altLang="en-US"/>
           </a:p>
           <a:p>
             <a:pPr lvl="3"/>
@@ -2980,6 +2639,7 @@
               <a:rPr lang="zh-CN" altLang="en-US"/>
               <a:t>第四级</a:t>
             </a:r>
+            <a:endParaRPr lang="zh-CN" altLang="en-US"/>
           </a:p>
           <a:p>
             <a:pPr lvl="4"/>
@@ -2987,23 +2647,18 @@
               <a:rPr lang="zh-CN" altLang="en-US"/>
               <a:t>第五级</a:t>
             </a:r>
-          </a:p>
-        </p:txBody>
-      </p:sp>
-      <p:sp>
-        <p:nvSpPr>
-          <p:cNvPr id="4" name="文本占位符 3">
-            <a:extLst>
-              <a:ext uri="{FF2B5EF4-FFF2-40B4-BE49-F238E27FC236}">
-                <a16:creationId xmlns:a16="http://schemas.microsoft.com/office/drawing/2014/main" id="{E4DF1BAD-DAA1-4446-B54D-0F8CCF42F358}"/>
-              </a:ext>
-            </a:extLst>
-          </p:cNvPr>
+            <a:endParaRPr lang="zh-CN" altLang="en-US"/>
+          </a:p>
+        </p:txBody>
+      </p:sp>
+      <p:sp>
+        <p:nvSpPr>
+          <p:cNvPr id="4" name="文本占位符 3"/>
           <p:cNvSpPr>
             <a:spLocks noGrp="1"/>
           </p:cNvSpPr>
           <p:nvPr>
-            <p:ph type="body" sz="half" idx="2"/>
+            <p:ph type="body" sz="half" idx="2" hasCustomPrompt="1"/>
           </p:nvPr>
         </p:nvSpPr>
         <p:spPr>
@@ -3058,18 +2713,13 @@
               <a:rPr lang="zh-CN" altLang="en-US"/>
               <a:t>编辑母版文本样式</a:t>
             </a:r>
-          </a:p>
-        </p:txBody>
-      </p:sp>
-      <p:sp>
-        <p:nvSpPr>
-          <p:cNvPr id="5" name="日期占位符 4">
-            <a:extLst>
-              <a:ext uri="{FF2B5EF4-FFF2-40B4-BE49-F238E27FC236}">
-                <a16:creationId xmlns:a16="http://schemas.microsoft.com/office/drawing/2014/main" id="{C26D443A-D607-4FDC-9C76-8A2B5C880C68}"/>
-              </a:ext>
-            </a:extLst>
-          </p:cNvPr>
+            <a:endParaRPr lang="zh-CN" altLang="en-US"/>
+          </a:p>
+        </p:txBody>
+      </p:sp>
+      <p:sp>
+        <p:nvSpPr>
+          <p:cNvPr id="5" name="日期占位符 4"/>
           <p:cNvSpPr>
             <a:spLocks noGrp="1"/>
           </p:cNvSpPr>
@@ -3084,7 +2734,6 @@
           <a:p>
             <a:fld id="{18BFEB81-CF16-4D4E-A4F1-ACCE12D5F744}" type="datetimeFigureOut">
               <a:rPr lang="zh-CN" altLang="en-US" smtClean="0"/>
-              <a:t>2018/12/16</a:t>
             </a:fld>
             <a:endParaRPr lang="zh-CN" altLang="en-US"/>
           </a:p>
@@ -3092,13 +2741,7 @@
       </p:sp>
       <p:sp>
         <p:nvSpPr>
-          <p:cNvPr id="6" name="页脚占位符 5">
-            <a:extLst>
-              <a:ext uri="{FF2B5EF4-FFF2-40B4-BE49-F238E27FC236}">
-                <a16:creationId xmlns:a16="http://schemas.microsoft.com/office/drawing/2014/main" id="{4F6A2BAC-FE04-4166-B389-89C0F35593F3}"/>
-              </a:ext>
-            </a:extLst>
-          </p:cNvPr>
+          <p:cNvPr id="6" name="页脚占位符 5"/>
           <p:cNvSpPr>
             <a:spLocks noGrp="1"/>
           </p:cNvSpPr>
@@ -3117,13 +2760,7 @@
       </p:sp>
       <p:sp>
         <p:nvSpPr>
-          <p:cNvPr id="7" name="灯片编号占位符 6">
-            <a:extLst>
-              <a:ext uri="{FF2B5EF4-FFF2-40B4-BE49-F238E27FC236}">
-                <a16:creationId xmlns:a16="http://schemas.microsoft.com/office/drawing/2014/main" id="{80DA0CC9-FC8D-4E9A-9447-EA55FEBC37F9}"/>
-              </a:ext>
-            </a:extLst>
-          </p:cNvPr>
+          <p:cNvPr id="7" name="灯片编号占位符 6"/>
           <p:cNvSpPr>
             <a:spLocks noGrp="1"/>
           </p:cNvSpPr>
@@ -3138,18 +2775,12 @@
           <a:p>
             <a:fld id="{449F378F-9CAD-46CF-9BE1-E3D4453E1612}" type="slidenum">
               <a:rPr lang="zh-CN" altLang="en-US" smtClean="0"/>
-              <a:t>‹#›</a:t>
             </a:fld>
             <a:endParaRPr lang="zh-CN" altLang="en-US"/>
           </a:p>
         </p:txBody>
       </p:sp>
     </p:spTree>
-    <p:extLst>
-      <p:ext uri="{BB962C8B-B14F-4D97-AF65-F5344CB8AC3E}">
-        <p14:creationId xmlns:p14="http://schemas.microsoft.com/office/powerpoint/2010/main" val="208753432"/>
-      </p:ext>
-    </p:extLst>
   </p:cSld>
   <p:clrMapOvr>
     <a:masterClrMapping/>
@@ -3176,13 +2807,7 @@
       </p:grpSpPr>
       <p:sp>
         <p:nvSpPr>
-          <p:cNvPr id="2" name="标题 1">
-            <a:extLst>
-              <a:ext uri="{FF2B5EF4-FFF2-40B4-BE49-F238E27FC236}">
-                <a16:creationId xmlns:a16="http://schemas.microsoft.com/office/drawing/2014/main" id="{65CE9BD3-2E36-4EAB-A893-CB2F35F082B1}"/>
-              </a:ext>
-            </a:extLst>
-          </p:cNvPr>
+          <p:cNvPr id="2" name="标题 1"/>
           <p:cNvSpPr>
             <a:spLocks noGrp="1"/>
           </p:cNvSpPr>
@@ -3208,18 +2833,13 @@
               <a:rPr lang="zh-CN" altLang="en-US"/>
               <a:t>单击此处编辑母版标题样式</a:t>
             </a:r>
-          </a:p>
-        </p:txBody>
-      </p:sp>
-      <p:sp>
-        <p:nvSpPr>
-          <p:cNvPr id="3" name="图片占位符 2">
-            <a:extLst>
-              <a:ext uri="{FF2B5EF4-FFF2-40B4-BE49-F238E27FC236}">
-                <a16:creationId xmlns:a16="http://schemas.microsoft.com/office/drawing/2014/main" id="{041F71C0-FF67-4A04-A410-8648A93C75F1}"/>
-              </a:ext>
-            </a:extLst>
-          </p:cNvPr>
+            <a:endParaRPr lang="zh-CN" altLang="en-US"/>
+          </a:p>
+        </p:txBody>
+      </p:sp>
+      <p:sp>
+        <p:nvSpPr>
+          <p:cNvPr id="3" name="图片占位符 2"/>
           <p:cNvSpPr>
             <a:spLocks noGrp="1"/>
           </p:cNvSpPr>
@@ -3280,18 +2900,12 @@
       </p:sp>
       <p:sp>
         <p:nvSpPr>
-          <p:cNvPr id="4" name="文本占位符 3">
-            <a:extLst>
-              <a:ext uri="{FF2B5EF4-FFF2-40B4-BE49-F238E27FC236}">
-                <a16:creationId xmlns:a16="http://schemas.microsoft.com/office/drawing/2014/main" id="{1FB95D3E-4897-4760-BDFC-F02B344D6070}"/>
-              </a:ext>
-            </a:extLst>
-          </p:cNvPr>
+          <p:cNvPr id="4" name="文本占位符 3"/>
           <p:cNvSpPr>
             <a:spLocks noGrp="1"/>
           </p:cNvSpPr>
           <p:nvPr>
-            <p:ph type="body" sz="half" idx="2"/>
+            <p:ph type="body" sz="half" idx="2" hasCustomPrompt="1"/>
           </p:nvPr>
         </p:nvSpPr>
         <p:spPr>
@@ -3346,18 +2960,13 @@
               <a:rPr lang="zh-CN" altLang="en-US"/>
               <a:t>编辑母版文本样式</a:t>
             </a:r>
-          </a:p>
-        </p:txBody>
-      </p:sp>
-      <p:sp>
-        <p:nvSpPr>
-          <p:cNvPr id="5" name="日期占位符 4">
-            <a:extLst>
-              <a:ext uri="{FF2B5EF4-FFF2-40B4-BE49-F238E27FC236}">
-                <a16:creationId xmlns:a16="http://schemas.microsoft.com/office/drawing/2014/main" id="{2CB9CF52-A0C0-47FA-8B57-DF924253D7FE}"/>
-              </a:ext>
-            </a:extLst>
-          </p:cNvPr>
+            <a:endParaRPr lang="zh-CN" altLang="en-US"/>
+          </a:p>
+        </p:txBody>
+      </p:sp>
+      <p:sp>
+        <p:nvSpPr>
+          <p:cNvPr id="5" name="日期占位符 4"/>
           <p:cNvSpPr>
             <a:spLocks noGrp="1"/>
           </p:cNvSpPr>
@@ -3372,7 +2981,6 @@
           <a:p>
             <a:fld id="{18BFEB81-CF16-4D4E-A4F1-ACCE12D5F744}" type="datetimeFigureOut">
               <a:rPr lang="zh-CN" altLang="en-US" smtClean="0"/>
-              <a:t>2018/12/16</a:t>
             </a:fld>
             <a:endParaRPr lang="zh-CN" altLang="en-US"/>
           </a:p>
@@ -3380,13 +2988,7 @@
       </p:sp>
       <p:sp>
         <p:nvSpPr>
-          <p:cNvPr id="6" name="页脚占位符 5">
-            <a:extLst>
-              <a:ext uri="{FF2B5EF4-FFF2-40B4-BE49-F238E27FC236}">
-                <a16:creationId xmlns:a16="http://schemas.microsoft.com/office/drawing/2014/main" id="{6806FD0D-4C1E-4F85-92FF-78301252D3F5}"/>
-              </a:ext>
-            </a:extLst>
-          </p:cNvPr>
+          <p:cNvPr id="6" name="页脚占位符 5"/>
           <p:cNvSpPr>
             <a:spLocks noGrp="1"/>
           </p:cNvSpPr>
@@ -3405,13 +3007,7 @@
       </p:sp>
       <p:sp>
         <p:nvSpPr>
-          <p:cNvPr id="7" name="灯片编号占位符 6">
-            <a:extLst>
-              <a:ext uri="{FF2B5EF4-FFF2-40B4-BE49-F238E27FC236}">
-                <a16:creationId xmlns:a16="http://schemas.microsoft.com/office/drawing/2014/main" id="{6D6D8DDE-15AA-46AA-B5B2-39823FEDCDA1}"/>
-              </a:ext>
-            </a:extLst>
-          </p:cNvPr>
+          <p:cNvPr id="7" name="灯片编号占位符 6"/>
           <p:cNvSpPr>
             <a:spLocks noGrp="1"/>
           </p:cNvSpPr>
@@ -3426,18 +3022,12 @@
           <a:p>
             <a:fld id="{449F378F-9CAD-46CF-9BE1-E3D4453E1612}" type="slidenum">
               <a:rPr lang="zh-CN" altLang="en-US" smtClean="0"/>
-              <a:t>‹#›</a:t>
             </a:fld>
             <a:endParaRPr lang="zh-CN" altLang="en-US"/>
           </a:p>
         </p:txBody>
       </p:sp>
     </p:spTree>
-    <p:extLst>
-      <p:ext uri="{BB962C8B-B14F-4D97-AF65-F5344CB8AC3E}">
-        <p14:creationId xmlns:p14="http://schemas.microsoft.com/office/powerpoint/2010/main" val="1713095082"/>
-      </p:ext>
-    </p:extLst>
   </p:cSld>
   <p:clrMapOvr>
     <a:masterClrMapping/>
@@ -3469,13 +3059,7 @@
       </p:grpSpPr>
       <p:sp>
         <p:nvSpPr>
-          <p:cNvPr id="2" name="标题占位符 1">
-            <a:extLst>
-              <a:ext uri="{FF2B5EF4-FFF2-40B4-BE49-F238E27FC236}">
-                <a16:creationId xmlns:a16="http://schemas.microsoft.com/office/drawing/2014/main" id="{F628B9F7-5A57-4FEE-8514-7C817199B7A7}"/>
-              </a:ext>
-            </a:extLst>
-          </p:cNvPr>
+          <p:cNvPr id="2" name="标题占位符 1"/>
           <p:cNvSpPr>
             <a:spLocks noGrp="1"/>
           </p:cNvSpPr>
@@ -3502,18 +3086,13 @@
               <a:rPr lang="zh-CN" altLang="en-US"/>
               <a:t>单击此处编辑母版标题样式</a:t>
             </a:r>
-          </a:p>
-        </p:txBody>
-      </p:sp>
-      <p:sp>
-        <p:nvSpPr>
-          <p:cNvPr id="3" name="文本占位符 2">
-            <a:extLst>
-              <a:ext uri="{FF2B5EF4-FFF2-40B4-BE49-F238E27FC236}">
-                <a16:creationId xmlns:a16="http://schemas.microsoft.com/office/drawing/2014/main" id="{C1937BDE-4755-42E9-844B-07D5AF5AC9A7}"/>
-              </a:ext>
-            </a:extLst>
-          </p:cNvPr>
+            <a:endParaRPr lang="zh-CN" altLang="en-US"/>
+          </a:p>
+        </p:txBody>
+      </p:sp>
+      <p:sp>
+        <p:nvSpPr>
+          <p:cNvPr id="3" name="文本占位符 2"/>
           <p:cNvSpPr>
             <a:spLocks noGrp="1"/>
           </p:cNvSpPr>
@@ -3541,6 +3120,7 @@
               <a:rPr lang="zh-CN" altLang="en-US"/>
               <a:t>编辑母版文本样式</a:t>
             </a:r>
+            <a:endParaRPr lang="zh-CN" altLang="en-US"/>
           </a:p>
           <a:p>
             <a:pPr lvl="1"/>
@@ -3548,6 +3128,7 @@
               <a:rPr lang="zh-CN" altLang="en-US"/>
               <a:t>第二级</a:t>
             </a:r>
+            <a:endParaRPr lang="zh-CN" altLang="en-US"/>
           </a:p>
           <a:p>
             <a:pPr lvl="2"/>
@@ -3555,6 +3136,7 @@
               <a:rPr lang="zh-CN" altLang="en-US"/>
               <a:t>第三级</a:t>
             </a:r>
+            <a:endParaRPr lang="zh-CN" altLang="en-US"/>
           </a:p>
           <a:p>
             <a:pPr lvl="3"/>
@@ -3562,6 +3144,7 @@
               <a:rPr lang="zh-CN" altLang="en-US"/>
               <a:t>第四级</a:t>
             </a:r>
+            <a:endParaRPr lang="zh-CN" altLang="en-US"/>
           </a:p>
           <a:p>
             <a:pPr lvl="4"/>
@@ -3569,18 +3152,13 @@
               <a:rPr lang="zh-CN" altLang="en-US"/>
               <a:t>第五级</a:t>
             </a:r>
-          </a:p>
-        </p:txBody>
-      </p:sp>
-      <p:sp>
-        <p:nvSpPr>
-          <p:cNvPr id="4" name="日期占位符 3">
-            <a:extLst>
-              <a:ext uri="{FF2B5EF4-FFF2-40B4-BE49-F238E27FC236}">
-                <a16:creationId xmlns:a16="http://schemas.microsoft.com/office/drawing/2014/main" id="{EEE52847-3E44-43A6-B948-2B5B9B335D81}"/>
-              </a:ext>
-            </a:extLst>
-          </p:cNvPr>
+            <a:endParaRPr lang="zh-CN" altLang="en-US"/>
+          </a:p>
+        </p:txBody>
+      </p:sp>
+      <p:sp>
+        <p:nvSpPr>
+          <p:cNvPr id="4" name="日期占位符 3"/>
           <p:cNvSpPr>
             <a:spLocks noGrp="1"/>
           </p:cNvSpPr>
@@ -3613,7 +3191,6 @@
           <a:p>
             <a:fld id="{18BFEB81-CF16-4D4E-A4F1-ACCE12D5F744}" type="datetimeFigureOut">
               <a:rPr lang="zh-CN" altLang="en-US" smtClean="0"/>
-              <a:t>2018/12/16</a:t>
             </a:fld>
             <a:endParaRPr lang="zh-CN" altLang="en-US"/>
           </a:p>
@@ -3621,13 +3198,7 @@
       </p:sp>
       <p:sp>
         <p:nvSpPr>
-          <p:cNvPr id="5" name="页脚占位符 4">
-            <a:extLst>
-              <a:ext uri="{FF2B5EF4-FFF2-40B4-BE49-F238E27FC236}">
-                <a16:creationId xmlns:a16="http://schemas.microsoft.com/office/drawing/2014/main" id="{63540A34-7E3D-4159-8C80-11213A377EF2}"/>
-              </a:ext>
-            </a:extLst>
-          </p:cNvPr>
+          <p:cNvPr id="5" name="页脚占位符 4"/>
           <p:cNvSpPr>
             <a:spLocks noGrp="1"/>
           </p:cNvSpPr>
@@ -3664,13 +3235,7 @@
       </p:sp>
       <p:sp>
         <p:nvSpPr>
-          <p:cNvPr id="6" name="灯片编号占位符 5">
-            <a:extLst>
-              <a:ext uri="{FF2B5EF4-FFF2-40B4-BE49-F238E27FC236}">
-                <a16:creationId xmlns:a16="http://schemas.microsoft.com/office/drawing/2014/main" id="{F4337997-B18F-492F-AEE2-15C96A8B32D7}"/>
-              </a:ext>
-            </a:extLst>
-          </p:cNvPr>
+          <p:cNvPr id="6" name="灯片编号占位符 5"/>
           <p:cNvSpPr>
             <a:spLocks noGrp="1"/>
           </p:cNvSpPr>
@@ -3703,18 +3268,12 @@
           <a:p>
             <a:fld id="{449F378F-9CAD-46CF-9BE1-E3D4453E1612}" type="slidenum">
               <a:rPr lang="zh-CN" altLang="en-US" smtClean="0"/>
-              <a:t>‹#›</a:t>
             </a:fld>
             <a:endParaRPr lang="zh-CN" altLang="en-US"/>
           </a:p>
         </p:txBody>
       </p:sp>
     </p:spTree>
-    <p:extLst>
-      <p:ext uri="{BB962C8B-B14F-4D97-AF65-F5344CB8AC3E}">
-        <p14:creationId xmlns:p14="http://schemas.microsoft.com/office/powerpoint/2010/main" val="2771786015"/>
-      </p:ext>
-    </p:extLst>
   </p:cSld>
   <p:clrMap bg1="lt1" tx1="dk1" bg2="lt2" tx2="dk2" accent1="accent1" accent2="accent2" accent3="accent3" accent4="accent4" accent5="accent5" accent6="accent6" hlink="hlink" folHlink="folHlink"/>
   <p:sldLayoutIdLst>
@@ -4032,13 +3591,7 @@
       </p:grpSpPr>
       <p:sp>
         <p:nvSpPr>
-          <p:cNvPr id="2" name="标题 1">
-            <a:extLst>
-              <a:ext uri="{FF2B5EF4-FFF2-40B4-BE49-F238E27FC236}">
-                <a16:creationId xmlns:a16="http://schemas.microsoft.com/office/drawing/2014/main" id="{C9103FE4-0576-407B-A898-735860C00D60}"/>
-              </a:ext>
-            </a:extLst>
-          </p:cNvPr>
+          <p:cNvPr id="2" name="标题 1"/>
           <p:cNvSpPr>
             <a:spLocks noGrp="1"/>
           </p:cNvSpPr>
@@ -4061,13 +3614,7 @@
       </p:sp>
       <p:sp>
         <p:nvSpPr>
-          <p:cNvPr id="3" name="副标题 2">
-            <a:extLst>
-              <a:ext uri="{FF2B5EF4-FFF2-40B4-BE49-F238E27FC236}">
-                <a16:creationId xmlns:a16="http://schemas.microsoft.com/office/drawing/2014/main" id="{190DB2C2-CB14-49B5-823F-7E8814E50B27}"/>
-              </a:ext>
-            </a:extLst>
-          </p:cNvPr>
+          <p:cNvPr id="3" name="副标题 2"/>
           <p:cNvSpPr>
             <a:spLocks noGrp="1"/>
           </p:cNvSpPr>
@@ -4093,11 +3640,6 @@
         </p:txBody>
       </p:sp>
     </p:spTree>
-    <p:extLst>
-      <p:ext uri="{BB962C8B-B14F-4D97-AF65-F5344CB8AC3E}">
-        <p14:creationId xmlns:p14="http://schemas.microsoft.com/office/powerpoint/2010/main" val="130315487"/>
-      </p:ext>
-    </p:extLst>
   </p:cSld>
   <p:clrMapOvr>
     <a:masterClrMapping/>
@@ -4114,6 +3656,94 @@
         <p:cNvGrpSpPr/>
         <p:nvPr/>
       </p:nvGrpSpPr>
+      <p:grpSpPr/>
+      <p:sp>
+        <p:nvSpPr>
+          <p:cNvPr id="2" name="标题 1"/>
+          <p:cNvSpPr>
+            <a:spLocks noGrp="1"/>
+          </p:cNvSpPr>
+          <p:nvPr>
+            <p:ph type="ctrTitle"/>
+          </p:nvPr>
+        </p:nvSpPr>
+        <p:spPr/>
+        <p:txBody>
+          <a:bodyPr/>
+          <a:p>
+            <a:r>
+              <a:rPr lang="en-US" altLang="zh-CN"/>
+              <a:t>Contributions</a:t>
+            </a:r>
+            <a:endParaRPr lang="en-US" altLang="zh-CN"/>
+          </a:p>
+        </p:txBody>
+      </p:sp>
+      <p:sp>
+        <p:nvSpPr>
+          <p:cNvPr id="3" name="副标题 2"/>
+          <p:cNvSpPr>
+            <a:spLocks noGrp="1"/>
+          </p:cNvSpPr>
+          <p:nvPr>
+            <p:ph type="subTitle" idx="1"/>
+          </p:nvPr>
+        </p:nvSpPr>
+        <p:spPr/>
+        <p:txBody>
+          <a:bodyPr/>
+          <a:p>
+            <a:r>
+              <a:rPr lang="zh-CN" altLang="en-US"/>
+              <a:t>顾同舟 </a:t>
+            </a:r>
+            <a:r>
+              <a:rPr lang="en-US" altLang="zh-CN"/>
+              <a:t>50%</a:t>
+            </a:r>
+            <a:endParaRPr lang="en-US" altLang="zh-CN"/>
+          </a:p>
+          <a:p>
+            <a:r>
+              <a:rPr lang="zh-CN" altLang="en-US"/>
+              <a:t>石文轩 </a:t>
+            </a:r>
+            <a:r>
+              <a:rPr lang="en-US" altLang="zh-CN"/>
+              <a:t>30%</a:t>
+            </a:r>
+            <a:endParaRPr lang="en-US" altLang="zh-CN"/>
+          </a:p>
+          <a:p>
+            <a:r>
+              <a:rPr lang="zh-CN" altLang="en-US"/>
+              <a:t>李琳云 </a:t>
+            </a:r>
+            <a:r>
+              <a:rPr lang="en-US" altLang="zh-CN"/>
+              <a:t>20%</a:t>
+            </a:r>
+            <a:endParaRPr lang="en-US" altLang="zh-CN"/>
+          </a:p>
+        </p:txBody>
+      </p:sp>
+    </p:spTree>
+  </p:cSld>
+  <p:clrMapOvr>
+    <a:masterClrMapping/>
+  </p:clrMapOvr>
+</p:sld>
+</file>
+
+<file path=ppt/slides/slide3.xml><?xml version="1.0" encoding="utf-8"?>
+<p:sld xmlns:a="http://schemas.openxmlformats.org/drawingml/2006/main" xmlns:r="http://schemas.openxmlformats.org/officeDocument/2006/relationships" xmlns:p="http://schemas.openxmlformats.org/presentationml/2006/main">
+  <p:cSld>
+    <p:spTree>
+      <p:nvGrpSpPr>
+        <p:cNvPr id="1" name=""/>
+        <p:cNvGrpSpPr/>
+        <p:nvPr/>
+      </p:nvGrpSpPr>
       <p:grpSpPr>
         <a:xfrm>
           <a:off x="0" y="0"/>
@@ -4124,13 +3754,7 @@
       </p:grpSpPr>
       <p:sp>
         <p:nvSpPr>
-          <p:cNvPr id="21" name="文本框 20">
-            <a:extLst>
-              <a:ext uri="{FF2B5EF4-FFF2-40B4-BE49-F238E27FC236}">
-                <a16:creationId xmlns:a16="http://schemas.microsoft.com/office/drawing/2014/main" id="{FB0B8538-E9BE-451D-907A-D421A368CDE2}"/>
-              </a:ext>
-            </a:extLst>
-          </p:cNvPr>
+          <p:cNvPr id="21" name="文本框 20"/>
           <p:cNvSpPr txBox="1"/>
           <p:nvPr/>
         </p:nvSpPr>
@@ -4171,13 +3795,7 @@
       </p:sp>
       <p:sp>
         <p:nvSpPr>
-          <p:cNvPr id="20" name="文本框 19">
-            <a:extLst>
-              <a:ext uri="{FF2B5EF4-FFF2-40B4-BE49-F238E27FC236}">
-                <a16:creationId xmlns:a16="http://schemas.microsoft.com/office/drawing/2014/main" id="{B727461A-0F3C-452B-9352-CE20EEEC16EA}"/>
-              </a:ext>
-            </a:extLst>
-          </p:cNvPr>
+          <p:cNvPr id="20" name="文本框 19"/>
           <p:cNvSpPr txBox="1"/>
           <p:nvPr/>
         </p:nvSpPr>
@@ -4218,13 +3836,7 @@
       </p:sp>
       <p:sp>
         <p:nvSpPr>
-          <p:cNvPr id="2" name="标题 1">
-            <a:extLst>
-              <a:ext uri="{FF2B5EF4-FFF2-40B4-BE49-F238E27FC236}">
-                <a16:creationId xmlns:a16="http://schemas.microsoft.com/office/drawing/2014/main" id="{52228100-A8DA-4AF2-837C-53B968C3C2F9}"/>
-              </a:ext>
-            </a:extLst>
-          </p:cNvPr>
+          <p:cNvPr id="2" name="标题 1"/>
           <p:cNvSpPr>
             <a:spLocks noGrp="1"/>
           </p:cNvSpPr>
@@ -4254,13 +3866,7 @@
       </p:sp>
       <p:sp>
         <p:nvSpPr>
-          <p:cNvPr id="4" name="文本框 3">
-            <a:extLst>
-              <a:ext uri="{FF2B5EF4-FFF2-40B4-BE49-F238E27FC236}">
-                <a16:creationId xmlns:a16="http://schemas.microsoft.com/office/drawing/2014/main" id="{55846CF1-3FA8-4524-8077-277E37214409}"/>
-              </a:ext>
-            </a:extLst>
-          </p:cNvPr>
+          <p:cNvPr id="4" name="文本框 3"/>
           <p:cNvSpPr txBox="1"/>
           <p:nvPr/>
         </p:nvSpPr>
@@ -4310,13 +3916,7 @@
       </p:sp>
       <p:sp>
         <p:nvSpPr>
-          <p:cNvPr id="6" name="文本框 5">
-            <a:extLst>
-              <a:ext uri="{FF2B5EF4-FFF2-40B4-BE49-F238E27FC236}">
-                <a16:creationId xmlns:a16="http://schemas.microsoft.com/office/drawing/2014/main" id="{A2529067-8D31-4064-830C-DA02D4E921BA}"/>
-              </a:ext>
-            </a:extLst>
-          </p:cNvPr>
+          <p:cNvPr id="6" name="文本框 5"/>
           <p:cNvSpPr txBox="1"/>
           <p:nvPr/>
         </p:nvSpPr>
@@ -4351,13 +3951,7 @@
       </p:sp>
       <p:sp>
         <p:nvSpPr>
-          <p:cNvPr id="10" name="文本框 9">
-            <a:extLst>
-              <a:ext uri="{FF2B5EF4-FFF2-40B4-BE49-F238E27FC236}">
-                <a16:creationId xmlns:a16="http://schemas.microsoft.com/office/drawing/2014/main" id="{AC356FF0-F915-4433-8A2A-AE6E6914F871}"/>
-              </a:ext>
-            </a:extLst>
-          </p:cNvPr>
+          <p:cNvPr id="10" name="文本框 9"/>
           <p:cNvSpPr txBox="1"/>
           <p:nvPr/>
         </p:nvSpPr>
@@ -4398,13 +3992,7 @@
       </p:sp>
       <p:sp>
         <p:nvSpPr>
-          <p:cNvPr id="5" name="文本框 4">
-            <a:extLst>
-              <a:ext uri="{FF2B5EF4-FFF2-40B4-BE49-F238E27FC236}">
-                <a16:creationId xmlns:a16="http://schemas.microsoft.com/office/drawing/2014/main" id="{6B948EA5-2E33-49C4-8367-7D3D49429614}"/>
-              </a:ext>
-            </a:extLst>
-          </p:cNvPr>
+          <p:cNvPr id="5" name="文本框 4"/>
           <p:cNvSpPr txBox="1"/>
           <p:nvPr/>
         </p:nvSpPr>
@@ -4439,13 +4027,7 @@
       </p:sp>
       <p:sp>
         <p:nvSpPr>
-          <p:cNvPr id="7" name="文本框 6">
-            <a:extLst>
-              <a:ext uri="{FF2B5EF4-FFF2-40B4-BE49-F238E27FC236}">
-                <a16:creationId xmlns:a16="http://schemas.microsoft.com/office/drawing/2014/main" id="{92223C46-67FA-4F5F-8F6E-7D396619DA3A}"/>
-              </a:ext>
-            </a:extLst>
-          </p:cNvPr>
+          <p:cNvPr id="7" name="文本框 6"/>
           <p:cNvSpPr txBox="1"/>
           <p:nvPr/>
         </p:nvSpPr>
@@ -4480,13 +4062,7 @@
       </p:sp>
       <p:sp>
         <p:nvSpPr>
-          <p:cNvPr id="8" name="文本框 7">
-            <a:extLst>
-              <a:ext uri="{FF2B5EF4-FFF2-40B4-BE49-F238E27FC236}">
-                <a16:creationId xmlns:a16="http://schemas.microsoft.com/office/drawing/2014/main" id="{EF503A87-2C8F-4038-B4BA-F962BAE54D87}"/>
-              </a:ext>
-            </a:extLst>
-          </p:cNvPr>
+          <p:cNvPr id="8" name="文本框 7"/>
           <p:cNvSpPr txBox="1"/>
           <p:nvPr/>
         </p:nvSpPr>
@@ -4536,13 +4112,7 @@
       </p:sp>
       <p:sp>
         <p:nvSpPr>
-          <p:cNvPr id="9" name="文本框 8">
-            <a:extLst>
-              <a:ext uri="{FF2B5EF4-FFF2-40B4-BE49-F238E27FC236}">
-                <a16:creationId xmlns:a16="http://schemas.microsoft.com/office/drawing/2014/main" id="{0C03AA9B-38AB-4583-950F-806DFCE5E14C}"/>
-              </a:ext>
-            </a:extLst>
-          </p:cNvPr>
+          <p:cNvPr id="9" name="文本框 8"/>
           <p:cNvSpPr txBox="1"/>
           <p:nvPr/>
         </p:nvSpPr>
@@ -4571,8 +4141,6 @@
               <a:rPr lang="en-US" altLang="zh-CN" sz="2800" dirty="0"/>
               <a:t>Interpolator</a:t>
             </a:r>
-          </a:p>
-          <a:p>
             <a:endParaRPr lang="en-US" altLang="zh-CN" sz="2800" dirty="0"/>
           </a:p>
           <a:p>
@@ -4587,17 +4155,14 @@
           <a:p>
             <a:endParaRPr lang="en-US" altLang="zh-CN" sz="2800" dirty="0"/>
           </a:p>
-        </p:txBody>
-      </p:sp>
-      <p:sp>
-        <p:nvSpPr>
-          <p:cNvPr id="11" name="文本框 10">
-            <a:extLst>
-              <a:ext uri="{FF2B5EF4-FFF2-40B4-BE49-F238E27FC236}">
-                <a16:creationId xmlns:a16="http://schemas.microsoft.com/office/drawing/2014/main" id="{8452A917-4AC8-4DE5-8975-1E5AC18F5DAB}"/>
-              </a:ext>
-            </a:extLst>
-          </p:cNvPr>
+          <a:p>
+            <a:endParaRPr lang="en-US" altLang="zh-CN" sz="2800" dirty="0"/>
+          </a:p>
+        </p:txBody>
+      </p:sp>
+      <p:sp>
+        <p:nvSpPr>
+          <p:cNvPr id="11" name="文本框 10"/>
           <p:cNvSpPr txBox="1"/>
           <p:nvPr/>
         </p:nvSpPr>
@@ -4641,13 +4206,7 @@
       </p:sp>
       <p:sp>
         <p:nvSpPr>
-          <p:cNvPr id="13" name="文本框 12">
-            <a:extLst>
-              <a:ext uri="{FF2B5EF4-FFF2-40B4-BE49-F238E27FC236}">
-                <a16:creationId xmlns:a16="http://schemas.microsoft.com/office/drawing/2014/main" id="{EE9ED0EB-431B-4E65-8C9F-EEAABF46375D}"/>
-              </a:ext>
-            </a:extLst>
-          </p:cNvPr>
+          <p:cNvPr id="13" name="文本框 12"/>
           <p:cNvSpPr txBox="1"/>
           <p:nvPr/>
         </p:nvSpPr>
@@ -4691,13 +4250,7 @@
       </p:sp>
       <p:sp>
         <p:nvSpPr>
-          <p:cNvPr id="14" name="文本框 13">
-            <a:extLst>
-              <a:ext uri="{FF2B5EF4-FFF2-40B4-BE49-F238E27FC236}">
-                <a16:creationId xmlns:a16="http://schemas.microsoft.com/office/drawing/2014/main" id="{3EDC5100-D4C7-488B-B98E-983596474EF2}"/>
-              </a:ext>
-            </a:extLst>
-          </p:cNvPr>
+          <p:cNvPr id="14" name="文本框 13"/>
           <p:cNvSpPr txBox="1"/>
           <p:nvPr/>
         </p:nvSpPr>
@@ -4732,13 +4285,7 @@
       </p:sp>
       <p:sp>
         <p:nvSpPr>
-          <p:cNvPr id="16" name="文本框 15">
-            <a:extLst>
-              <a:ext uri="{FF2B5EF4-FFF2-40B4-BE49-F238E27FC236}">
-                <a16:creationId xmlns:a16="http://schemas.microsoft.com/office/drawing/2014/main" id="{F43698A6-1448-494E-85DC-A4114A820FF7}"/>
-              </a:ext>
-            </a:extLst>
-          </p:cNvPr>
+          <p:cNvPr id="16" name="文本框 15"/>
           <p:cNvSpPr txBox="1"/>
           <p:nvPr/>
         </p:nvSpPr>
@@ -4779,13 +4326,7 @@
       </p:sp>
       <p:sp>
         <p:nvSpPr>
-          <p:cNvPr id="17" name="文本框 16">
-            <a:extLst>
-              <a:ext uri="{FF2B5EF4-FFF2-40B4-BE49-F238E27FC236}">
-                <a16:creationId xmlns:a16="http://schemas.microsoft.com/office/drawing/2014/main" id="{D34B1A2B-1DD5-4045-AE8B-3A5EF7963E99}"/>
-              </a:ext>
-            </a:extLst>
-          </p:cNvPr>
+          <p:cNvPr id="17" name="文本框 16"/>
           <p:cNvSpPr txBox="1"/>
           <p:nvPr/>
         </p:nvSpPr>
@@ -4826,13 +4367,7 @@
       </p:sp>
       <p:sp>
         <p:nvSpPr>
-          <p:cNvPr id="19" name="文本框 18">
-            <a:extLst>
-              <a:ext uri="{FF2B5EF4-FFF2-40B4-BE49-F238E27FC236}">
-                <a16:creationId xmlns:a16="http://schemas.microsoft.com/office/drawing/2014/main" id="{974309CB-2315-46FF-982C-3B92F5687334}"/>
-              </a:ext>
-            </a:extLst>
-          </p:cNvPr>
+          <p:cNvPr id="19" name="文本框 18"/>
           <p:cNvSpPr txBox="1"/>
           <p:nvPr/>
         </p:nvSpPr>
@@ -4865,18 +4400,13 @@
               <a:rPr lang="en-US" altLang="zh-CN" sz="2000" dirty="0"/>
               <a:t>[]</a:t>
             </a:r>
-          </a:p>
-        </p:txBody>
-      </p:sp>
-      <p:sp>
-        <p:nvSpPr>
-          <p:cNvPr id="22" name="文本框 21">
-            <a:extLst>
-              <a:ext uri="{FF2B5EF4-FFF2-40B4-BE49-F238E27FC236}">
-                <a16:creationId xmlns:a16="http://schemas.microsoft.com/office/drawing/2014/main" id="{500C0A45-070E-47E6-A57B-4DD27381E220}"/>
-              </a:ext>
-            </a:extLst>
-          </p:cNvPr>
+            <a:endParaRPr lang="en-US" altLang="zh-CN" sz="2000" dirty="0"/>
+          </a:p>
+        </p:txBody>
+      </p:sp>
+      <p:sp>
+        <p:nvSpPr>
+          <p:cNvPr id="22" name="文本框 21"/>
           <p:cNvSpPr txBox="1"/>
           <p:nvPr/>
         </p:nvSpPr>
@@ -4911,13 +4441,7 @@
       </p:sp>
       <p:sp>
         <p:nvSpPr>
-          <p:cNvPr id="23" name="文本框 22">
-            <a:extLst>
-              <a:ext uri="{FF2B5EF4-FFF2-40B4-BE49-F238E27FC236}">
-                <a16:creationId xmlns:a16="http://schemas.microsoft.com/office/drawing/2014/main" id="{AB197640-942B-424C-9715-7883365ECDB9}"/>
-              </a:ext>
-            </a:extLst>
-          </p:cNvPr>
+          <p:cNvPr id="23" name="文本框 22"/>
           <p:cNvSpPr txBox="1"/>
           <p:nvPr/>
         </p:nvSpPr>
@@ -4952,13 +4476,7 @@
       </p:sp>
       <p:sp>
         <p:nvSpPr>
-          <p:cNvPr id="24" name="文本框 23">
-            <a:extLst>
-              <a:ext uri="{FF2B5EF4-FFF2-40B4-BE49-F238E27FC236}">
-                <a16:creationId xmlns:a16="http://schemas.microsoft.com/office/drawing/2014/main" id="{CCE0AB86-B8E9-451D-A011-DD050410FAF9}"/>
-              </a:ext>
-            </a:extLst>
-          </p:cNvPr>
+          <p:cNvPr id="24" name="文本框 23"/>
           <p:cNvSpPr txBox="1"/>
           <p:nvPr/>
         </p:nvSpPr>
@@ -4993,13 +4511,7 @@
       </p:sp>
       <p:sp>
         <p:nvSpPr>
-          <p:cNvPr id="25" name="文本框 24">
-            <a:extLst>
-              <a:ext uri="{FF2B5EF4-FFF2-40B4-BE49-F238E27FC236}">
-                <a16:creationId xmlns:a16="http://schemas.microsoft.com/office/drawing/2014/main" id="{F6F1CCC9-C298-40BF-9045-A7225E518EFB}"/>
-              </a:ext>
-            </a:extLst>
-          </p:cNvPr>
+          <p:cNvPr id="25" name="文本框 24"/>
           <p:cNvSpPr txBox="1"/>
           <p:nvPr/>
         </p:nvSpPr>
@@ -5043,13 +4555,7 @@
       </p:sp>
       <p:sp>
         <p:nvSpPr>
-          <p:cNvPr id="26" name="文本框 25">
-            <a:extLst>
-              <a:ext uri="{FF2B5EF4-FFF2-40B4-BE49-F238E27FC236}">
-                <a16:creationId xmlns:a16="http://schemas.microsoft.com/office/drawing/2014/main" id="{C405A8F6-88F9-410C-AF60-9A5CD908E6A6}"/>
-              </a:ext>
-            </a:extLst>
-          </p:cNvPr>
+          <p:cNvPr id="26" name="文本框 25"/>
           <p:cNvSpPr txBox="1"/>
           <p:nvPr/>
         </p:nvSpPr>
@@ -5093,13 +4599,7 @@
       </p:sp>
       <p:sp>
         <p:nvSpPr>
-          <p:cNvPr id="27" name="文本框 26">
-            <a:extLst>
-              <a:ext uri="{FF2B5EF4-FFF2-40B4-BE49-F238E27FC236}">
-                <a16:creationId xmlns:a16="http://schemas.microsoft.com/office/drawing/2014/main" id="{53A21A8D-54A1-4E54-89D2-7D7A0CA6C2ED}"/>
-              </a:ext>
-            </a:extLst>
-          </p:cNvPr>
+          <p:cNvPr id="27" name="文本框 26"/>
           <p:cNvSpPr txBox="1"/>
           <p:nvPr/>
         </p:nvSpPr>
@@ -5140,13 +4640,7 @@
       </p:sp>
       <p:sp>
         <p:nvSpPr>
-          <p:cNvPr id="15" name="文本框 14">
-            <a:extLst>
-              <a:ext uri="{FF2B5EF4-FFF2-40B4-BE49-F238E27FC236}">
-                <a16:creationId xmlns:a16="http://schemas.microsoft.com/office/drawing/2014/main" id="{8A3F3B05-9857-4C62-885C-D47D7D3A657C}"/>
-              </a:ext>
-            </a:extLst>
-          </p:cNvPr>
+          <p:cNvPr id="15" name="文本框 14"/>
           <p:cNvSpPr txBox="1"/>
           <p:nvPr/>
         </p:nvSpPr>
@@ -5181,13 +4675,7 @@
       </p:sp>
       <p:sp>
         <p:nvSpPr>
-          <p:cNvPr id="18" name="文本框 17">
-            <a:extLst>
-              <a:ext uri="{FF2B5EF4-FFF2-40B4-BE49-F238E27FC236}">
-                <a16:creationId xmlns:a16="http://schemas.microsoft.com/office/drawing/2014/main" id="{B676D8F4-BD37-447C-94D0-1AEC23523C4F}"/>
-              </a:ext>
-            </a:extLst>
-          </p:cNvPr>
+          <p:cNvPr id="18" name="文本框 17"/>
           <p:cNvSpPr txBox="1"/>
           <p:nvPr/>
         </p:nvSpPr>
@@ -5222,13 +4710,7 @@
       </p:sp>
       <p:sp>
         <p:nvSpPr>
-          <p:cNvPr id="28" name="文本框 27">
-            <a:extLst>
-              <a:ext uri="{FF2B5EF4-FFF2-40B4-BE49-F238E27FC236}">
-                <a16:creationId xmlns:a16="http://schemas.microsoft.com/office/drawing/2014/main" id="{5300BEF4-1FA4-4B43-80CD-B006DD93E455}"/>
-              </a:ext>
-            </a:extLst>
-          </p:cNvPr>
+          <p:cNvPr id="28" name="文本框 27"/>
           <p:cNvSpPr txBox="1"/>
           <p:nvPr/>
         </p:nvSpPr>
@@ -5261,15 +4743,11 @@
               <a:rPr lang="en-US" altLang="zh-CN" sz="2000" dirty="0"/>
               <a:t>[][]</a:t>
             </a:r>
+            <a:endParaRPr lang="en-US" altLang="zh-CN" sz="2000" dirty="0"/>
           </a:p>
         </p:txBody>
       </p:sp>
     </p:spTree>
-    <p:extLst>
-      <p:ext uri="{BB962C8B-B14F-4D97-AF65-F5344CB8AC3E}">
-        <p14:creationId xmlns:p14="http://schemas.microsoft.com/office/powerpoint/2010/main" val="2564513105"/>
-      </p:ext>
-    </p:extLst>
   </p:cSld>
   <p:clrMapOvr>
     <a:masterClrMapping/>
@@ -6874,7 +6352,7 @@
 </p:sld>
 </file>
 
-<file path=ppt/slides/slide3.xml><?xml version="1.0" encoding="utf-8"?>
+<file path=ppt/slides/slide4.xml><?xml version="1.0" encoding="utf-8"?>
 <p:sld xmlns:a="http://schemas.openxmlformats.org/drawingml/2006/main" xmlns:r="http://schemas.openxmlformats.org/officeDocument/2006/relationships" xmlns:p="http://schemas.openxmlformats.org/presentationml/2006/main">
   <p:cSld>
     <p:spTree>
@@ -6893,13 +6371,7 @@
       </p:grpSpPr>
       <p:sp>
         <p:nvSpPr>
-          <p:cNvPr id="2" name="标题 1">
-            <a:extLst>
-              <a:ext uri="{FF2B5EF4-FFF2-40B4-BE49-F238E27FC236}">
-                <a16:creationId xmlns:a16="http://schemas.microsoft.com/office/drawing/2014/main" id="{52228100-A8DA-4AF2-837C-53B968C3C2F9}"/>
-              </a:ext>
-            </a:extLst>
-          </p:cNvPr>
+          <p:cNvPr id="2" name="标题 1"/>
           <p:cNvSpPr>
             <a:spLocks noGrp="1"/>
           </p:cNvSpPr>
@@ -6936,13 +6408,7 @@
       </p:sp>
       <p:sp>
         <p:nvSpPr>
-          <p:cNvPr id="4" name="文本框 3">
-            <a:extLst>
-              <a:ext uri="{FF2B5EF4-FFF2-40B4-BE49-F238E27FC236}">
-                <a16:creationId xmlns:a16="http://schemas.microsoft.com/office/drawing/2014/main" id="{55846CF1-3FA8-4524-8077-277E37214409}"/>
-              </a:ext>
-            </a:extLst>
-          </p:cNvPr>
+          <p:cNvPr id="4" name="文本框 3"/>
           <p:cNvSpPr txBox="1"/>
           <p:nvPr/>
         </p:nvSpPr>
@@ -6992,13 +6458,7 @@
       </p:sp>
       <p:sp>
         <p:nvSpPr>
-          <p:cNvPr id="8" name="文本框 7">
-            <a:extLst>
-              <a:ext uri="{FF2B5EF4-FFF2-40B4-BE49-F238E27FC236}">
-                <a16:creationId xmlns:a16="http://schemas.microsoft.com/office/drawing/2014/main" id="{EF503A87-2C8F-4038-B4BA-F962BAE54D87}"/>
-              </a:ext>
-            </a:extLst>
-          </p:cNvPr>
+          <p:cNvPr id="8" name="文本框 7"/>
           <p:cNvSpPr txBox="1"/>
           <p:nvPr/>
         </p:nvSpPr>
@@ -7039,13 +6499,7 @@
       </p:sp>
       <p:sp>
         <p:nvSpPr>
-          <p:cNvPr id="27" name="文本框 26">
-            <a:extLst>
-              <a:ext uri="{FF2B5EF4-FFF2-40B4-BE49-F238E27FC236}">
-                <a16:creationId xmlns:a16="http://schemas.microsoft.com/office/drawing/2014/main" id="{53A21A8D-54A1-4E54-89D2-7D7A0CA6C2ED}"/>
-              </a:ext>
-            </a:extLst>
-          </p:cNvPr>
+          <p:cNvPr id="27" name="文本框 26"/>
           <p:cNvSpPr txBox="1"/>
           <p:nvPr/>
         </p:nvSpPr>
@@ -7083,13 +6537,7 @@
       </p:sp>
       <p:sp>
         <p:nvSpPr>
-          <p:cNvPr id="29" name="文本框 28">
-            <a:extLst>
-              <a:ext uri="{FF2B5EF4-FFF2-40B4-BE49-F238E27FC236}">
-                <a16:creationId xmlns:a16="http://schemas.microsoft.com/office/drawing/2014/main" id="{64AB11DE-A2EE-49B9-8E13-510CA53523BC}"/>
-              </a:ext>
-            </a:extLst>
-          </p:cNvPr>
+          <p:cNvPr id="29" name="文本框 28"/>
           <p:cNvSpPr txBox="1"/>
           <p:nvPr/>
         </p:nvSpPr>
@@ -7139,13 +6587,7 @@
       </p:sp>
       <p:sp>
         <p:nvSpPr>
-          <p:cNvPr id="30" name="文本框 29">
-            <a:extLst>
-              <a:ext uri="{FF2B5EF4-FFF2-40B4-BE49-F238E27FC236}">
-                <a16:creationId xmlns:a16="http://schemas.microsoft.com/office/drawing/2014/main" id="{A4FD0713-5D5F-4318-9BD8-80332D37BDA6}"/>
-              </a:ext>
-            </a:extLst>
-          </p:cNvPr>
+          <p:cNvPr id="30" name="文本框 29"/>
           <p:cNvSpPr txBox="1"/>
           <p:nvPr/>
         </p:nvSpPr>
@@ -7180,13 +6622,7 @@
       </p:sp>
       <p:sp>
         <p:nvSpPr>
-          <p:cNvPr id="31" name="文本框 30">
-            <a:extLst>
-              <a:ext uri="{FF2B5EF4-FFF2-40B4-BE49-F238E27FC236}">
-                <a16:creationId xmlns:a16="http://schemas.microsoft.com/office/drawing/2014/main" id="{8CEACF04-3A88-4D22-821A-3BA84572DE6D}"/>
-              </a:ext>
-            </a:extLst>
-          </p:cNvPr>
+          <p:cNvPr id="31" name="文本框 30"/>
           <p:cNvSpPr txBox="1"/>
           <p:nvPr/>
         </p:nvSpPr>
@@ -7221,13 +6657,7 @@
       </p:sp>
       <p:sp>
         <p:nvSpPr>
-          <p:cNvPr id="32" name="文本框 31">
-            <a:extLst>
-              <a:ext uri="{FF2B5EF4-FFF2-40B4-BE49-F238E27FC236}">
-                <a16:creationId xmlns:a16="http://schemas.microsoft.com/office/drawing/2014/main" id="{3E1BC698-C0BD-4EFB-BBC0-46C7B98323D8}"/>
-              </a:ext>
-            </a:extLst>
-          </p:cNvPr>
+          <p:cNvPr id="32" name="文本框 31"/>
           <p:cNvSpPr txBox="1"/>
           <p:nvPr/>
         </p:nvSpPr>
@@ -7262,13 +6692,7 @@
       </p:sp>
       <p:sp>
         <p:nvSpPr>
-          <p:cNvPr id="33" name="文本框 32">
-            <a:extLst>
-              <a:ext uri="{FF2B5EF4-FFF2-40B4-BE49-F238E27FC236}">
-                <a16:creationId xmlns:a16="http://schemas.microsoft.com/office/drawing/2014/main" id="{AABEEC7B-EA74-4F83-ACAF-FF884C78BF44}"/>
-              </a:ext>
-            </a:extLst>
-          </p:cNvPr>
+          <p:cNvPr id="33" name="文本框 32"/>
           <p:cNvSpPr txBox="1"/>
           <p:nvPr/>
         </p:nvSpPr>
@@ -7297,30 +6721,26 @@
               <a:rPr lang="en-US" altLang="zh-CN" sz="2800" dirty="0"/>
               <a:t>Dynamic</a:t>
             </a:r>
+            <a:endParaRPr lang="en-US" altLang="zh-CN" sz="2800" dirty="0"/>
           </a:p>
           <a:p>
             <a:r>
               <a:rPr lang="en-US" altLang="zh-CN" sz="2800" dirty="0"/>
               <a:t>Loader</a:t>
             </a:r>
-          </a:p>
-          <a:p>
             <a:endParaRPr lang="en-US" altLang="zh-CN" sz="2800" dirty="0"/>
           </a:p>
           <a:p>
             <a:endParaRPr lang="en-US" altLang="zh-CN" sz="2800" dirty="0"/>
           </a:p>
-        </p:txBody>
-      </p:sp>
-      <p:sp>
-        <p:nvSpPr>
-          <p:cNvPr id="34" name="文本框 33">
-            <a:extLst>
-              <a:ext uri="{FF2B5EF4-FFF2-40B4-BE49-F238E27FC236}">
-                <a16:creationId xmlns:a16="http://schemas.microsoft.com/office/drawing/2014/main" id="{8D9069F9-1780-4C33-B73A-BE4E437C02D5}"/>
-              </a:ext>
-            </a:extLst>
-          </p:cNvPr>
+          <a:p>
+            <a:endParaRPr lang="en-US" altLang="zh-CN" sz="2800" dirty="0"/>
+          </a:p>
+        </p:txBody>
+      </p:sp>
+      <p:sp>
+        <p:nvSpPr>
+          <p:cNvPr id="34" name="文本框 33"/>
           <p:cNvSpPr txBox="1"/>
           <p:nvPr/>
         </p:nvSpPr>
@@ -7355,13 +6775,7 @@
       </p:sp>
       <p:sp>
         <p:nvSpPr>
-          <p:cNvPr id="35" name="文本框 34">
-            <a:extLst>
-              <a:ext uri="{FF2B5EF4-FFF2-40B4-BE49-F238E27FC236}">
-                <a16:creationId xmlns:a16="http://schemas.microsoft.com/office/drawing/2014/main" id="{AF875A42-90D2-46D4-A29C-93E11B4F5FEF}"/>
-              </a:ext>
-            </a:extLst>
-          </p:cNvPr>
+          <p:cNvPr id="35" name="文本框 34"/>
           <p:cNvSpPr txBox="1"/>
           <p:nvPr/>
         </p:nvSpPr>
@@ -7390,18 +6804,13 @@
               <a:rPr lang="en-US" altLang="zh-CN" dirty="0"/>
               <a:t>FlatUI1.json</a:t>
             </a:r>
-          </a:p>
-        </p:txBody>
-      </p:sp>
-      <p:sp>
-        <p:nvSpPr>
-          <p:cNvPr id="36" name="文本框 35">
-            <a:extLst>
-              <a:ext uri="{FF2B5EF4-FFF2-40B4-BE49-F238E27FC236}">
-                <a16:creationId xmlns:a16="http://schemas.microsoft.com/office/drawing/2014/main" id="{B17E1BE4-6A93-45CB-9C54-2989EE5C3DE8}"/>
-              </a:ext>
-            </a:extLst>
-          </p:cNvPr>
+            <a:endParaRPr lang="en-US" altLang="zh-CN" dirty="0"/>
+          </a:p>
+        </p:txBody>
+      </p:sp>
+      <p:sp>
+        <p:nvSpPr>
+          <p:cNvPr id="36" name="文本框 35"/>
           <p:cNvSpPr txBox="1"/>
           <p:nvPr/>
         </p:nvSpPr>
@@ -7430,18 +6839,13 @@
               <a:rPr lang="en-US" altLang="zh-CN" dirty="0"/>
               <a:t>FlatUI2.json</a:t>
             </a:r>
-          </a:p>
-        </p:txBody>
-      </p:sp>
-      <p:sp>
-        <p:nvSpPr>
-          <p:cNvPr id="37" name="文本框 36">
-            <a:extLst>
-              <a:ext uri="{FF2B5EF4-FFF2-40B4-BE49-F238E27FC236}">
-                <a16:creationId xmlns:a16="http://schemas.microsoft.com/office/drawing/2014/main" id="{A9B73386-ED42-45FD-B130-015DE8E765DC}"/>
-              </a:ext>
-            </a:extLst>
-          </p:cNvPr>
+            <a:endParaRPr lang="en-US" altLang="zh-CN" dirty="0"/>
+          </a:p>
+        </p:txBody>
+      </p:sp>
+      <p:sp>
+        <p:nvSpPr>
+          <p:cNvPr id="37" name="文本框 36"/>
           <p:cNvSpPr txBox="1"/>
           <p:nvPr/>
         </p:nvSpPr>
@@ -7476,13 +6880,7 @@
       </p:sp>
       <p:sp>
         <p:nvSpPr>
-          <p:cNvPr id="38" name="文本框 37">
-            <a:extLst>
-              <a:ext uri="{FF2B5EF4-FFF2-40B4-BE49-F238E27FC236}">
-                <a16:creationId xmlns:a16="http://schemas.microsoft.com/office/drawing/2014/main" id="{D4A04DD0-77BA-4450-B134-6F89EFBBB6D6}"/>
-              </a:ext>
-            </a:extLst>
-          </p:cNvPr>
+          <p:cNvPr id="38" name="文本框 37"/>
           <p:cNvSpPr txBox="1"/>
           <p:nvPr/>
         </p:nvSpPr>
@@ -7511,8 +6909,6 @@
               <a:rPr lang="en-US" altLang="zh-CN" sz="2000" dirty="0"/>
               <a:t>Buffer</a:t>
             </a:r>
-          </a:p>
-          <a:p>
             <a:endParaRPr lang="en-US" altLang="zh-CN" sz="2000" dirty="0"/>
           </a:p>
           <a:p>
@@ -7533,17 +6929,14 @@
           <a:p>
             <a:endParaRPr lang="en-US" altLang="zh-CN" sz="2000" dirty="0"/>
           </a:p>
-        </p:txBody>
-      </p:sp>
-      <p:sp>
-        <p:nvSpPr>
-          <p:cNvPr id="39" name="文本框 38">
-            <a:extLst>
-              <a:ext uri="{FF2B5EF4-FFF2-40B4-BE49-F238E27FC236}">
-                <a16:creationId xmlns:a16="http://schemas.microsoft.com/office/drawing/2014/main" id="{34E83C12-3194-42F2-BFB1-E465F3F9FC14}"/>
-              </a:ext>
-            </a:extLst>
-          </p:cNvPr>
+          <a:p>
+            <a:endParaRPr lang="en-US" altLang="zh-CN" sz="2000" dirty="0"/>
+          </a:p>
+        </p:txBody>
+      </p:sp>
+      <p:sp>
+        <p:nvSpPr>
+          <p:cNvPr id="39" name="文本框 38"/>
           <p:cNvSpPr txBox="1"/>
           <p:nvPr/>
         </p:nvSpPr>
@@ -7572,18 +6965,13 @@
               <a:rPr lang="en-US" altLang="zh-CN" sz="2000" dirty="0"/>
               <a:t>BarBasicSkinStyle@1</a:t>
             </a:r>
-          </a:p>
-        </p:txBody>
-      </p:sp>
-      <p:sp>
-        <p:nvSpPr>
-          <p:cNvPr id="40" name="文本框 39">
-            <a:extLst>
-              <a:ext uri="{FF2B5EF4-FFF2-40B4-BE49-F238E27FC236}">
-                <a16:creationId xmlns:a16="http://schemas.microsoft.com/office/drawing/2014/main" id="{6774BC6A-60A4-4B3C-8170-C127B25E56FE}"/>
-              </a:ext>
-            </a:extLst>
-          </p:cNvPr>
+            <a:endParaRPr lang="en-US" altLang="zh-CN" sz="2000" dirty="0"/>
+          </a:p>
+        </p:txBody>
+      </p:sp>
+      <p:sp>
+        <p:nvSpPr>
+          <p:cNvPr id="40" name="文本框 39"/>
           <p:cNvSpPr txBox="1"/>
           <p:nvPr/>
         </p:nvSpPr>
@@ -7612,18 +7000,13 @@
               <a:rPr lang="en-US" altLang="zh-CN" sz="2000" dirty="0"/>
               <a:t>BarBasicSkinStyle@2</a:t>
             </a:r>
-          </a:p>
-        </p:txBody>
-      </p:sp>
-      <p:sp>
-        <p:nvSpPr>
-          <p:cNvPr id="41" name="文本框 40">
-            <a:extLst>
-              <a:ext uri="{FF2B5EF4-FFF2-40B4-BE49-F238E27FC236}">
-                <a16:creationId xmlns:a16="http://schemas.microsoft.com/office/drawing/2014/main" id="{8CA8BC70-A87C-45ED-9AE5-3065C6898445}"/>
-              </a:ext>
-            </a:extLst>
-          </p:cNvPr>
+            <a:endParaRPr lang="en-US" altLang="zh-CN" sz="2000" dirty="0"/>
+          </a:p>
+        </p:txBody>
+      </p:sp>
+      <p:sp>
+        <p:nvSpPr>
+          <p:cNvPr id="41" name="文本框 40"/>
           <p:cNvSpPr txBox="1"/>
           <p:nvPr/>
         </p:nvSpPr>
@@ -7652,18 +7035,13 @@
               <a:rPr lang="en-US" altLang="zh-CN" sz="2000" dirty="0"/>
               <a:t>BarBasicSkinStyle@3</a:t>
             </a:r>
-          </a:p>
-        </p:txBody>
-      </p:sp>
-      <p:sp>
-        <p:nvSpPr>
-          <p:cNvPr id="43" name="文本框 42">
-            <a:extLst>
-              <a:ext uri="{FF2B5EF4-FFF2-40B4-BE49-F238E27FC236}">
-                <a16:creationId xmlns:a16="http://schemas.microsoft.com/office/drawing/2014/main" id="{6AB4F460-891E-46BD-BFF1-AD3DFF154831}"/>
-              </a:ext>
-            </a:extLst>
-          </p:cNvPr>
+            <a:endParaRPr lang="en-US" altLang="zh-CN" sz="2000" dirty="0"/>
+          </a:p>
+        </p:txBody>
+      </p:sp>
+      <p:sp>
+        <p:nvSpPr>
+          <p:cNvPr id="43" name="文本框 42"/>
           <p:cNvSpPr txBox="1"/>
           <p:nvPr/>
         </p:nvSpPr>
@@ -7704,13 +7082,7 @@
       </p:sp>
       <p:sp>
         <p:nvSpPr>
-          <p:cNvPr id="44" name="文本框 43">
-            <a:extLst>
-              <a:ext uri="{FF2B5EF4-FFF2-40B4-BE49-F238E27FC236}">
-                <a16:creationId xmlns:a16="http://schemas.microsoft.com/office/drawing/2014/main" id="{3FBAF0F9-029A-4384-9EFF-39F8B4A331BE}"/>
-              </a:ext>
-            </a:extLst>
-          </p:cNvPr>
+          <p:cNvPr id="44" name="文本框 43"/>
           <p:cNvSpPr txBox="1"/>
           <p:nvPr/>
         </p:nvSpPr>
@@ -7751,13 +7123,7 @@
       </p:sp>
       <p:sp>
         <p:nvSpPr>
-          <p:cNvPr id="45" name="文本框 44">
-            <a:extLst>
-              <a:ext uri="{FF2B5EF4-FFF2-40B4-BE49-F238E27FC236}">
-                <a16:creationId xmlns:a16="http://schemas.microsoft.com/office/drawing/2014/main" id="{39FAAFA1-7B9B-448A-90F1-7838A6735B8C}"/>
-              </a:ext>
-            </a:extLst>
-          </p:cNvPr>
+          <p:cNvPr id="45" name="文本框 44"/>
           <p:cNvSpPr txBox="1"/>
           <p:nvPr/>
         </p:nvSpPr>
@@ -7786,18 +7152,13 @@
               <a:rPr lang="en-US" altLang="zh-CN" dirty="0"/>
               <a:t>Adv1.jpg</a:t>
             </a:r>
-          </a:p>
-        </p:txBody>
-      </p:sp>
-      <p:sp>
-        <p:nvSpPr>
-          <p:cNvPr id="46" name="文本框 45">
-            <a:extLst>
-              <a:ext uri="{FF2B5EF4-FFF2-40B4-BE49-F238E27FC236}">
-                <a16:creationId xmlns:a16="http://schemas.microsoft.com/office/drawing/2014/main" id="{7F237546-43F4-4B6E-A104-C84102D91F4F}"/>
-              </a:ext>
-            </a:extLst>
-          </p:cNvPr>
+            <a:endParaRPr lang="en-US" altLang="zh-CN" dirty="0"/>
+          </a:p>
+        </p:txBody>
+      </p:sp>
+      <p:sp>
+        <p:nvSpPr>
+          <p:cNvPr id="46" name="文本框 45"/>
           <p:cNvSpPr txBox="1"/>
           <p:nvPr/>
         </p:nvSpPr>
@@ -7832,13 +7193,7 @@
       </p:sp>
       <p:sp>
         <p:nvSpPr>
-          <p:cNvPr id="48" name="文本框 47">
-            <a:extLst>
-              <a:ext uri="{FF2B5EF4-FFF2-40B4-BE49-F238E27FC236}">
-                <a16:creationId xmlns:a16="http://schemas.microsoft.com/office/drawing/2014/main" id="{9E8900E6-C1F7-41C5-B9AF-0C29F405BE5C}"/>
-              </a:ext>
-            </a:extLst>
-          </p:cNvPr>
+          <p:cNvPr id="48" name="文本框 47"/>
           <p:cNvSpPr txBox="1"/>
           <p:nvPr/>
         </p:nvSpPr>
@@ -7873,13 +7228,7 @@
       </p:sp>
       <p:sp>
         <p:nvSpPr>
-          <p:cNvPr id="50" name="文本框 49">
-            <a:extLst>
-              <a:ext uri="{FF2B5EF4-FFF2-40B4-BE49-F238E27FC236}">
-                <a16:creationId xmlns:a16="http://schemas.microsoft.com/office/drawing/2014/main" id="{3555FA61-F23A-4EFD-9778-DCFB4166EDA0}"/>
-              </a:ext>
-            </a:extLst>
-          </p:cNvPr>
+          <p:cNvPr id="50" name="文本框 49"/>
           <p:cNvSpPr txBox="1"/>
           <p:nvPr/>
         </p:nvSpPr>
@@ -7914,13 +7263,7 @@
       </p:sp>
       <p:sp>
         <p:nvSpPr>
-          <p:cNvPr id="51" name="文本框 50">
-            <a:extLst>
-              <a:ext uri="{FF2B5EF4-FFF2-40B4-BE49-F238E27FC236}">
-                <a16:creationId xmlns:a16="http://schemas.microsoft.com/office/drawing/2014/main" id="{C022C3AC-691E-4D00-803F-9781A4B0C7FF}"/>
-              </a:ext>
-            </a:extLst>
-          </p:cNvPr>
+          <p:cNvPr id="51" name="文本框 50"/>
           <p:cNvSpPr txBox="1"/>
           <p:nvPr/>
         </p:nvSpPr>
@@ -7949,15 +7292,11 @@
               <a:rPr lang="en-US" altLang="zh-CN" dirty="0"/>
               <a:t>Frame1</a:t>
             </a:r>
+            <a:endParaRPr lang="en-US" altLang="zh-CN" dirty="0"/>
           </a:p>
         </p:txBody>
       </p:sp>
     </p:spTree>
-    <p:extLst>
-      <p:ext uri="{BB962C8B-B14F-4D97-AF65-F5344CB8AC3E}">
-        <p14:creationId xmlns:p14="http://schemas.microsoft.com/office/powerpoint/2010/main" val="4280816594"/>
-      </p:ext>
-    </p:extLst>
   </p:cSld>
   <p:clrMapOvr>
     <a:masterClrMapping/>
@@ -9593,7 +8932,7 @@
 </p:sld>
 </file>
 
-<file path=ppt/slides/slide4.xml><?xml version="1.0" encoding="utf-8"?>
+<file path=ppt/slides/slide5.xml><?xml version="1.0" encoding="utf-8"?>
 <p:sld xmlns:a="http://schemas.openxmlformats.org/drawingml/2006/main" xmlns:r="http://schemas.openxmlformats.org/officeDocument/2006/relationships" xmlns:p="http://schemas.openxmlformats.org/presentationml/2006/main">
   <p:cSld>
     <p:spTree>
@@ -9612,13 +8951,7 @@
       </p:grpSpPr>
       <p:sp>
         <p:nvSpPr>
-          <p:cNvPr id="2" name="标题 1">
-            <a:extLst>
-              <a:ext uri="{FF2B5EF4-FFF2-40B4-BE49-F238E27FC236}">
-                <a16:creationId xmlns:a16="http://schemas.microsoft.com/office/drawing/2014/main" id="{52228100-A8DA-4AF2-837C-53B968C3C2F9}"/>
-              </a:ext>
-            </a:extLst>
-          </p:cNvPr>
+          <p:cNvPr id="2" name="标题 1"/>
           <p:cNvSpPr>
             <a:spLocks noGrp="1"/>
           </p:cNvSpPr>
@@ -9655,13 +8988,7 @@
       </p:sp>
       <p:sp>
         <p:nvSpPr>
-          <p:cNvPr id="4" name="文本框 3">
-            <a:extLst>
-              <a:ext uri="{FF2B5EF4-FFF2-40B4-BE49-F238E27FC236}">
-                <a16:creationId xmlns:a16="http://schemas.microsoft.com/office/drawing/2014/main" id="{55846CF1-3FA8-4524-8077-277E37214409}"/>
-              </a:ext>
-            </a:extLst>
-          </p:cNvPr>
+          <p:cNvPr id="4" name="文本框 3"/>
           <p:cNvSpPr txBox="1"/>
           <p:nvPr/>
         </p:nvSpPr>
@@ -9711,13 +9038,7 @@
       </p:sp>
       <p:sp>
         <p:nvSpPr>
-          <p:cNvPr id="8" name="文本框 7">
-            <a:extLst>
-              <a:ext uri="{FF2B5EF4-FFF2-40B4-BE49-F238E27FC236}">
-                <a16:creationId xmlns:a16="http://schemas.microsoft.com/office/drawing/2014/main" id="{EF503A87-2C8F-4038-B4BA-F962BAE54D87}"/>
-              </a:ext>
-            </a:extLst>
-          </p:cNvPr>
+          <p:cNvPr id="8" name="文本框 7"/>
           <p:cNvSpPr txBox="1"/>
           <p:nvPr/>
         </p:nvSpPr>
@@ -9758,13 +9079,7 @@
       </p:sp>
       <p:sp>
         <p:nvSpPr>
-          <p:cNvPr id="27" name="文本框 26">
-            <a:extLst>
-              <a:ext uri="{FF2B5EF4-FFF2-40B4-BE49-F238E27FC236}">
-                <a16:creationId xmlns:a16="http://schemas.microsoft.com/office/drawing/2014/main" id="{53A21A8D-54A1-4E54-89D2-7D7A0CA6C2ED}"/>
-              </a:ext>
-            </a:extLst>
-          </p:cNvPr>
+          <p:cNvPr id="27" name="文本框 26"/>
           <p:cNvSpPr txBox="1"/>
           <p:nvPr/>
         </p:nvSpPr>
@@ -9802,13 +9117,7 @@
       </p:sp>
       <p:sp>
         <p:nvSpPr>
-          <p:cNvPr id="29" name="文本框 28">
-            <a:extLst>
-              <a:ext uri="{FF2B5EF4-FFF2-40B4-BE49-F238E27FC236}">
-                <a16:creationId xmlns:a16="http://schemas.microsoft.com/office/drawing/2014/main" id="{64AB11DE-A2EE-49B9-8E13-510CA53523BC}"/>
-              </a:ext>
-            </a:extLst>
-          </p:cNvPr>
+          <p:cNvPr id="29" name="文本框 28"/>
           <p:cNvSpPr txBox="1"/>
           <p:nvPr/>
         </p:nvSpPr>
@@ -9858,13 +9167,7 @@
       </p:sp>
       <p:sp>
         <p:nvSpPr>
-          <p:cNvPr id="30" name="文本框 29">
-            <a:extLst>
-              <a:ext uri="{FF2B5EF4-FFF2-40B4-BE49-F238E27FC236}">
-                <a16:creationId xmlns:a16="http://schemas.microsoft.com/office/drawing/2014/main" id="{A4FD0713-5D5F-4318-9BD8-80332D37BDA6}"/>
-              </a:ext>
-            </a:extLst>
-          </p:cNvPr>
+          <p:cNvPr id="30" name="文本框 29"/>
           <p:cNvSpPr txBox="1"/>
           <p:nvPr/>
         </p:nvSpPr>
@@ -9899,13 +9202,7 @@
       </p:sp>
       <p:sp>
         <p:nvSpPr>
-          <p:cNvPr id="31" name="文本框 30">
-            <a:extLst>
-              <a:ext uri="{FF2B5EF4-FFF2-40B4-BE49-F238E27FC236}">
-                <a16:creationId xmlns:a16="http://schemas.microsoft.com/office/drawing/2014/main" id="{8CEACF04-3A88-4D22-821A-3BA84572DE6D}"/>
-              </a:ext>
-            </a:extLst>
-          </p:cNvPr>
+          <p:cNvPr id="31" name="文本框 30"/>
           <p:cNvSpPr txBox="1"/>
           <p:nvPr/>
         </p:nvSpPr>
@@ -9940,13 +9237,7 @@
       </p:sp>
       <p:sp>
         <p:nvSpPr>
-          <p:cNvPr id="32" name="文本框 31">
-            <a:extLst>
-              <a:ext uri="{FF2B5EF4-FFF2-40B4-BE49-F238E27FC236}">
-                <a16:creationId xmlns:a16="http://schemas.microsoft.com/office/drawing/2014/main" id="{3E1BC698-C0BD-4EFB-BBC0-46C7B98323D8}"/>
-              </a:ext>
-            </a:extLst>
-          </p:cNvPr>
+          <p:cNvPr id="32" name="文本框 31"/>
           <p:cNvSpPr txBox="1"/>
           <p:nvPr/>
         </p:nvSpPr>
@@ -9981,13 +9272,7 @@
       </p:sp>
       <p:sp>
         <p:nvSpPr>
-          <p:cNvPr id="33" name="文本框 32">
-            <a:extLst>
-              <a:ext uri="{FF2B5EF4-FFF2-40B4-BE49-F238E27FC236}">
-                <a16:creationId xmlns:a16="http://schemas.microsoft.com/office/drawing/2014/main" id="{AABEEC7B-EA74-4F83-ACAF-FF884C78BF44}"/>
-              </a:ext>
-            </a:extLst>
-          </p:cNvPr>
+          <p:cNvPr id="33" name="文本框 32"/>
           <p:cNvSpPr txBox="1"/>
           <p:nvPr/>
         </p:nvSpPr>
@@ -10016,30 +9301,26 @@
               <a:rPr lang="en-US" altLang="zh-CN" sz="2800" dirty="0"/>
               <a:t>Dynamic</a:t>
             </a:r>
+            <a:endParaRPr lang="en-US" altLang="zh-CN" sz="2800" dirty="0"/>
           </a:p>
           <a:p>
             <a:r>
               <a:rPr lang="en-US" altLang="zh-CN" sz="2800" dirty="0"/>
               <a:t>Loader</a:t>
             </a:r>
-          </a:p>
-          <a:p>
             <a:endParaRPr lang="en-US" altLang="zh-CN" sz="2800" dirty="0"/>
           </a:p>
           <a:p>
             <a:endParaRPr lang="en-US" altLang="zh-CN" sz="2800" dirty="0"/>
           </a:p>
-        </p:txBody>
-      </p:sp>
-      <p:sp>
-        <p:nvSpPr>
-          <p:cNvPr id="34" name="文本框 33">
-            <a:extLst>
-              <a:ext uri="{FF2B5EF4-FFF2-40B4-BE49-F238E27FC236}">
-                <a16:creationId xmlns:a16="http://schemas.microsoft.com/office/drawing/2014/main" id="{8D9069F9-1780-4C33-B73A-BE4E437C02D5}"/>
-              </a:ext>
-            </a:extLst>
-          </p:cNvPr>
+          <a:p>
+            <a:endParaRPr lang="en-US" altLang="zh-CN" sz="2800" dirty="0"/>
+          </a:p>
+        </p:txBody>
+      </p:sp>
+      <p:sp>
+        <p:nvSpPr>
+          <p:cNvPr id="34" name="文本框 33"/>
           <p:cNvSpPr txBox="1"/>
           <p:nvPr/>
         </p:nvSpPr>
@@ -10074,13 +9355,7 @@
       </p:sp>
       <p:sp>
         <p:nvSpPr>
-          <p:cNvPr id="35" name="文本框 34">
-            <a:extLst>
-              <a:ext uri="{FF2B5EF4-FFF2-40B4-BE49-F238E27FC236}">
-                <a16:creationId xmlns:a16="http://schemas.microsoft.com/office/drawing/2014/main" id="{AF875A42-90D2-46D4-A29C-93E11B4F5FEF}"/>
-              </a:ext>
-            </a:extLst>
-          </p:cNvPr>
+          <p:cNvPr id="35" name="文本框 34"/>
           <p:cNvSpPr txBox="1"/>
           <p:nvPr/>
         </p:nvSpPr>
@@ -10109,18 +9384,13 @@
               <a:rPr lang="en-US" altLang="zh-CN" dirty="0"/>
               <a:t>FlatUI1.json</a:t>
             </a:r>
-          </a:p>
-        </p:txBody>
-      </p:sp>
-      <p:sp>
-        <p:nvSpPr>
-          <p:cNvPr id="36" name="文本框 35">
-            <a:extLst>
-              <a:ext uri="{FF2B5EF4-FFF2-40B4-BE49-F238E27FC236}">
-                <a16:creationId xmlns:a16="http://schemas.microsoft.com/office/drawing/2014/main" id="{B17E1BE4-6A93-45CB-9C54-2989EE5C3DE8}"/>
-              </a:ext>
-            </a:extLst>
-          </p:cNvPr>
+            <a:endParaRPr lang="en-US" altLang="zh-CN" dirty="0"/>
+          </a:p>
+        </p:txBody>
+      </p:sp>
+      <p:sp>
+        <p:nvSpPr>
+          <p:cNvPr id="36" name="文本框 35"/>
           <p:cNvSpPr txBox="1"/>
           <p:nvPr/>
         </p:nvSpPr>
@@ -10149,18 +9419,13 @@
               <a:rPr lang="en-US" altLang="zh-CN" dirty="0"/>
               <a:t>FlatUI2.json</a:t>
             </a:r>
-          </a:p>
-        </p:txBody>
-      </p:sp>
-      <p:sp>
-        <p:nvSpPr>
-          <p:cNvPr id="37" name="文本框 36">
-            <a:extLst>
-              <a:ext uri="{FF2B5EF4-FFF2-40B4-BE49-F238E27FC236}">
-                <a16:creationId xmlns:a16="http://schemas.microsoft.com/office/drawing/2014/main" id="{A9B73386-ED42-45FD-B130-015DE8E765DC}"/>
-              </a:ext>
-            </a:extLst>
-          </p:cNvPr>
+            <a:endParaRPr lang="en-US" altLang="zh-CN" dirty="0"/>
+          </a:p>
+        </p:txBody>
+      </p:sp>
+      <p:sp>
+        <p:nvSpPr>
+          <p:cNvPr id="37" name="文本框 36"/>
           <p:cNvSpPr txBox="1"/>
           <p:nvPr/>
         </p:nvSpPr>
@@ -10195,13 +9460,7 @@
       </p:sp>
       <p:sp>
         <p:nvSpPr>
-          <p:cNvPr id="38" name="文本框 37">
-            <a:extLst>
-              <a:ext uri="{FF2B5EF4-FFF2-40B4-BE49-F238E27FC236}">
-                <a16:creationId xmlns:a16="http://schemas.microsoft.com/office/drawing/2014/main" id="{D4A04DD0-77BA-4450-B134-6F89EFBBB6D6}"/>
-              </a:ext>
-            </a:extLst>
-          </p:cNvPr>
+          <p:cNvPr id="38" name="文本框 37"/>
           <p:cNvSpPr txBox="1"/>
           <p:nvPr/>
         </p:nvSpPr>
@@ -10230,8 +9489,6 @@
               <a:rPr lang="en-US" altLang="zh-CN" sz="2000" dirty="0"/>
               <a:t>Buffer</a:t>
             </a:r>
-          </a:p>
-          <a:p>
             <a:endParaRPr lang="en-US" altLang="zh-CN" sz="2000" dirty="0"/>
           </a:p>
           <a:p>
@@ -10252,17 +9509,14 @@
           <a:p>
             <a:endParaRPr lang="en-US" altLang="zh-CN" sz="2000" dirty="0"/>
           </a:p>
-        </p:txBody>
-      </p:sp>
-      <p:sp>
-        <p:nvSpPr>
-          <p:cNvPr id="39" name="文本框 38">
-            <a:extLst>
-              <a:ext uri="{FF2B5EF4-FFF2-40B4-BE49-F238E27FC236}">
-                <a16:creationId xmlns:a16="http://schemas.microsoft.com/office/drawing/2014/main" id="{34E83C12-3194-42F2-BFB1-E465F3F9FC14}"/>
-              </a:ext>
-            </a:extLst>
-          </p:cNvPr>
+          <a:p>
+            <a:endParaRPr lang="en-US" altLang="zh-CN" sz="2000" dirty="0"/>
+          </a:p>
+        </p:txBody>
+      </p:sp>
+      <p:sp>
+        <p:nvSpPr>
+          <p:cNvPr id="39" name="文本框 38"/>
           <p:cNvSpPr txBox="1"/>
           <p:nvPr/>
         </p:nvSpPr>
@@ -10291,18 +9545,13 @@
               <a:rPr lang="en-US" altLang="zh-CN" sz="2000" dirty="0"/>
               <a:t>BarBasicSkinStyle@1</a:t>
             </a:r>
-          </a:p>
-        </p:txBody>
-      </p:sp>
-      <p:sp>
-        <p:nvSpPr>
-          <p:cNvPr id="40" name="文本框 39">
-            <a:extLst>
-              <a:ext uri="{FF2B5EF4-FFF2-40B4-BE49-F238E27FC236}">
-                <a16:creationId xmlns:a16="http://schemas.microsoft.com/office/drawing/2014/main" id="{6774BC6A-60A4-4B3C-8170-C127B25E56FE}"/>
-              </a:ext>
-            </a:extLst>
-          </p:cNvPr>
+            <a:endParaRPr lang="en-US" altLang="zh-CN" sz="2000" dirty="0"/>
+          </a:p>
+        </p:txBody>
+      </p:sp>
+      <p:sp>
+        <p:nvSpPr>
+          <p:cNvPr id="40" name="文本框 39"/>
           <p:cNvSpPr txBox="1"/>
           <p:nvPr/>
         </p:nvSpPr>
@@ -10331,18 +9580,13 @@
               <a:rPr lang="en-US" altLang="zh-CN" sz="2000" dirty="0"/>
               <a:t>BarBasicSkinStyle@2</a:t>
             </a:r>
-          </a:p>
-        </p:txBody>
-      </p:sp>
-      <p:sp>
-        <p:nvSpPr>
-          <p:cNvPr id="41" name="文本框 40">
-            <a:extLst>
-              <a:ext uri="{FF2B5EF4-FFF2-40B4-BE49-F238E27FC236}">
-                <a16:creationId xmlns:a16="http://schemas.microsoft.com/office/drawing/2014/main" id="{8CA8BC70-A87C-45ED-9AE5-3065C6898445}"/>
-              </a:ext>
-            </a:extLst>
-          </p:cNvPr>
+            <a:endParaRPr lang="en-US" altLang="zh-CN" sz="2000" dirty="0"/>
+          </a:p>
+        </p:txBody>
+      </p:sp>
+      <p:sp>
+        <p:nvSpPr>
+          <p:cNvPr id="41" name="文本框 40"/>
           <p:cNvSpPr txBox="1"/>
           <p:nvPr/>
         </p:nvSpPr>
@@ -10371,18 +9615,13 @@
               <a:rPr lang="en-US" altLang="zh-CN" sz="2000" dirty="0"/>
               <a:t>BarBasicSkinStyle@3</a:t>
             </a:r>
-          </a:p>
-        </p:txBody>
-      </p:sp>
-      <p:sp>
-        <p:nvSpPr>
-          <p:cNvPr id="43" name="文本框 42">
-            <a:extLst>
-              <a:ext uri="{FF2B5EF4-FFF2-40B4-BE49-F238E27FC236}">
-                <a16:creationId xmlns:a16="http://schemas.microsoft.com/office/drawing/2014/main" id="{6AB4F460-891E-46BD-BFF1-AD3DFF154831}"/>
-              </a:ext>
-            </a:extLst>
-          </p:cNvPr>
+            <a:endParaRPr lang="en-US" altLang="zh-CN" sz="2000" dirty="0"/>
+          </a:p>
+        </p:txBody>
+      </p:sp>
+      <p:sp>
+        <p:nvSpPr>
+          <p:cNvPr id="43" name="文本框 42"/>
           <p:cNvSpPr txBox="1"/>
           <p:nvPr/>
         </p:nvSpPr>
@@ -10423,13 +9662,7 @@
       </p:sp>
       <p:sp>
         <p:nvSpPr>
-          <p:cNvPr id="44" name="文本框 43">
-            <a:extLst>
-              <a:ext uri="{FF2B5EF4-FFF2-40B4-BE49-F238E27FC236}">
-                <a16:creationId xmlns:a16="http://schemas.microsoft.com/office/drawing/2014/main" id="{3FBAF0F9-029A-4384-9EFF-39F8B4A331BE}"/>
-              </a:ext>
-            </a:extLst>
-          </p:cNvPr>
+          <p:cNvPr id="44" name="文本框 43"/>
           <p:cNvSpPr txBox="1"/>
           <p:nvPr/>
         </p:nvSpPr>
@@ -10470,13 +9703,7 @@
       </p:sp>
       <p:sp>
         <p:nvSpPr>
-          <p:cNvPr id="45" name="文本框 44">
-            <a:extLst>
-              <a:ext uri="{FF2B5EF4-FFF2-40B4-BE49-F238E27FC236}">
-                <a16:creationId xmlns:a16="http://schemas.microsoft.com/office/drawing/2014/main" id="{39FAAFA1-7B9B-448A-90F1-7838A6735B8C}"/>
-              </a:ext>
-            </a:extLst>
-          </p:cNvPr>
+          <p:cNvPr id="45" name="文本框 44"/>
           <p:cNvSpPr txBox="1"/>
           <p:nvPr/>
         </p:nvSpPr>
@@ -10505,18 +9732,13 @@
               <a:rPr lang="en-US" altLang="zh-CN" dirty="0"/>
               <a:t>Adv1.jpg</a:t>
             </a:r>
-          </a:p>
-        </p:txBody>
-      </p:sp>
-      <p:sp>
-        <p:nvSpPr>
-          <p:cNvPr id="46" name="文本框 45">
-            <a:extLst>
-              <a:ext uri="{FF2B5EF4-FFF2-40B4-BE49-F238E27FC236}">
-                <a16:creationId xmlns:a16="http://schemas.microsoft.com/office/drawing/2014/main" id="{7F237546-43F4-4B6E-A104-C84102D91F4F}"/>
-              </a:ext>
-            </a:extLst>
-          </p:cNvPr>
+            <a:endParaRPr lang="en-US" altLang="zh-CN" dirty="0"/>
+          </a:p>
+        </p:txBody>
+      </p:sp>
+      <p:sp>
+        <p:nvSpPr>
+          <p:cNvPr id="46" name="文本框 45"/>
           <p:cNvSpPr txBox="1"/>
           <p:nvPr/>
         </p:nvSpPr>
@@ -10551,13 +9773,7 @@
       </p:sp>
       <p:sp>
         <p:nvSpPr>
-          <p:cNvPr id="48" name="文本框 47">
-            <a:extLst>
-              <a:ext uri="{FF2B5EF4-FFF2-40B4-BE49-F238E27FC236}">
-                <a16:creationId xmlns:a16="http://schemas.microsoft.com/office/drawing/2014/main" id="{9E8900E6-C1F7-41C5-B9AF-0C29F405BE5C}"/>
-              </a:ext>
-            </a:extLst>
-          </p:cNvPr>
+          <p:cNvPr id="48" name="文本框 47"/>
           <p:cNvSpPr txBox="1"/>
           <p:nvPr/>
         </p:nvSpPr>
@@ -10592,13 +9808,7 @@
       </p:sp>
       <p:sp>
         <p:nvSpPr>
-          <p:cNvPr id="50" name="文本框 49">
-            <a:extLst>
-              <a:ext uri="{FF2B5EF4-FFF2-40B4-BE49-F238E27FC236}">
-                <a16:creationId xmlns:a16="http://schemas.microsoft.com/office/drawing/2014/main" id="{3555FA61-F23A-4EFD-9778-DCFB4166EDA0}"/>
-              </a:ext>
-            </a:extLst>
-          </p:cNvPr>
+          <p:cNvPr id="50" name="文本框 49"/>
           <p:cNvSpPr txBox="1"/>
           <p:nvPr/>
         </p:nvSpPr>
@@ -10633,13 +9843,7 @@
       </p:sp>
       <p:sp>
         <p:nvSpPr>
-          <p:cNvPr id="51" name="文本框 50">
-            <a:extLst>
-              <a:ext uri="{FF2B5EF4-FFF2-40B4-BE49-F238E27FC236}">
-                <a16:creationId xmlns:a16="http://schemas.microsoft.com/office/drawing/2014/main" id="{C022C3AC-691E-4D00-803F-9781A4B0C7FF}"/>
-              </a:ext>
-            </a:extLst>
-          </p:cNvPr>
+          <p:cNvPr id="51" name="文本框 50"/>
           <p:cNvSpPr txBox="1"/>
           <p:nvPr/>
         </p:nvSpPr>
@@ -10668,18 +9872,13 @@
               <a:rPr lang="en-US" altLang="zh-CN" dirty="0"/>
               <a:t>Frame2</a:t>
             </a:r>
-          </a:p>
-        </p:txBody>
-      </p:sp>
-      <p:sp>
-        <p:nvSpPr>
-          <p:cNvPr id="26" name="文本框 25">
-            <a:extLst>
-              <a:ext uri="{FF2B5EF4-FFF2-40B4-BE49-F238E27FC236}">
-                <a16:creationId xmlns:a16="http://schemas.microsoft.com/office/drawing/2014/main" id="{53A6103E-0A16-4455-8AC1-ACFBDC949289}"/>
-              </a:ext>
-            </a:extLst>
-          </p:cNvPr>
+            <a:endParaRPr lang="en-US" altLang="zh-CN" dirty="0"/>
+          </a:p>
+        </p:txBody>
+      </p:sp>
+      <p:sp>
+        <p:nvSpPr>
+          <p:cNvPr id="26" name="文本框 25"/>
           <p:cNvSpPr txBox="1"/>
           <p:nvPr/>
         </p:nvSpPr>
@@ -10708,15 +9907,11 @@
               <a:rPr lang="en-US" altLang="zh-CN" dirty="0"/>
               <a:t>Frame1</a:t>
             </a:r>
+            <a:endParaRPr lang="en-US" altLang="zh-CN" dirty="0"/>
           </a:p>
         </p:txBody>
       </p:sp>
     </p:spTree>
-    <p:extLst>
-      <p:ext uri="{BB962C8B-B14F-4D97-AF65-F5344CB8AC3E}">
-        <p14:creationId xmlns:p14="http://schemas.microsoft.com/office/powerpoint/2010/main" val="3619485245"/>
-      </p:ext>
-    </p:extLst>
   </p:cSld>
   <p:clrMapOvr>
     <a:masterClrMapping/>
@@ -11316,7 +10511,7 @@
                         <p:par>
                           <p:cTn id="57" fill="hold">
                             <p:stCondLst>
-                              <p:cond delay="16000"/>
+                              <p:cond delay="14000"/>
                             </p:stCondLst>
                             <p:childTnLst>
                               <p:par>
@@ -11391,7 +10586,7 @@
                         <p:par>
                           <p:cTn id="64" fill="hold">
                             <p:stCondLst>
-                              <p:cond delay="18000"/>
+                              <p:cond delay="16000"/>
                             </p:stCondLst>
                             <p:childTnLst>
                               <p:par>
@@ -11481,7 +10676,7 @@
                         <p:par>
                           <p:cTn id="71" fill="hold">
                             <p:stCondLst>
-                              <p:cond delay="18000"/>
+                              <p:cond delay="16000"/>
                             </p:stCondLst>
                             <p:childTnLst>
                               <p:par>
@@ -11534,7 +10729,7 @@
                         <p:par>
                           <p:cTn id="76" fill="hold">
                             <p:stCondLst>
-                              <p:cond delay="20000"/>
+                              <p:cond delay="18000"/>
                             </p:stCondLst>
                             <p:childTnLst>
                               <p:par>
@@ -11636,7 +10831,7 @@
                         <p:par>
                           <p:cTn id="85" fill="hold">
                             <p:stCondLst>
-                              <p:cond delay="22000"/>
+                              <p:cond delay="20000"/>
                             </p:stCondLst>
                             <p:childTnLst>
                               <p:par>
@@ -11726,7 +10921,7 @@
                         <p:par>
                           <p:cTn id="92" fill="hold">
                             <p:stCondLst>
-                              <p:cond delay="22000"/>
+                              <p:cond delay="20000"/>
                             </p:stCondLst>
                             <p:childTnLst>
                               <p:par>
@@ -11779,7 +10974,7 @@
                         <p:par>
                           <p:cTn id="97" fill="hold">
                             <p:stCondLst>
-                              <p:cond delay="24000"/>
+                              <p:cond delay="22000"/>
                             </p:stCondLst>
                             <p:childTnLst>
                               <p:par>
@@ -11881,7 +11076,7 @@
                         <p:par>
                           <p:cTn id="106" fill="hold">
                             <p:stCondLst>
-                              <p:cond delay="26000"/>
+                              <p:cond delay="24000"/>
                             </p:stCondLst>
                             <p:childTnLst>
                               <p:par>
@@ -11971,7 +11166,7 @@
                         <p:par>
                           <p:cTn id="113" fill="hold">
                             <p:stCondLst>
-                              <p:cond delay="26000"/>
+                              <p:cond delay="24000"/>
                             </p:stCondLst>
                             <p:childTnLst>
                               <p:par>
@@ -12002,7 +11197,7 @@
                         <p:par>
                           <p:cTn id="116" fill="hold">
                             <p:stCondLst>
-                              <p:cond delay="28000"/>
+                              <p:cond delay="26000"/>
                             </p:stCondLst>
                             <p:childTnLst>
                               <p:par>
@@ -12055,7 +11250,7 @@
                         <p:par>
                           <p:cTn id="121" fill="hold">
                             <p:stCondLst>
-                              <p:cond delay="30000"/>
+                              <p:cond delay="28000"/>
                             </p:stCondLst>
                             <p:childTnLst>
                               <p:par>
@@ -12118,7 +11313,7 @@
                         <p:par>
                           <p:cTn id="126" fill="hold">
                             <p:stCondLst>
-                              <p:cond delay="30000"/>
+                              <p:cond delay="28000"/>
                             </p:stCondLst>
                             <p:childTnLst>
                               <p:par>
@@ -12256,7 +11451,7 @@
 </p:sld>
 </file>
 
-<file path=ppt/slides/slide5.xml><?xml version="1.0" encoding="utf-8"?>
+<file path=ppt/slides/slide6.xml><?xml version="1.0" encoding="utf-8"?>
 <p:sld xmlns:a="http://schemas.openxmlformats.org/drawingml/2006/main" xmlns:r="http://schemas.openxmlformats.org/officeDocument/2006/relationships" xmlns:p="http://schemas.openxmlformats.org/presentationml/2006/main">
   <p:cSld>
     <p:spTree>
@@ -12275,13 +11470,7 @@
       </p:grpSpPr>
       <p:sp>
         <p:nvSpPr>
-          <p:cNvPr id="2" name="标题 1">
-            <a:extLst>
-              <a:ext uri="{FF2B5EF4-FFF2-40B4-BE49-F238E27FC236}">
-                <a16:creationId xmlns:a16="http://schemas.microsoft.com/office/drawing/2014/main" id="{52228100-A8DA-4AF2-837C-53B968C3C2F9}"/>
-              </a:ext>
-            </a:extLst>
-          </p:cNvPr>
+          <p:cNvPr id="2" name="标题 1"/>
           <p:cNvSpPr>
             <a:spLocks noGrp="1"/>
           </p:cNvSpPr>
@@ -12318,13 +11507,7 @@
       </p:sp>
       <p:sp>
         <p:nvSpPr>
-          <p:cNvPr id="29" name="文本框 28">
-            <a:extLst>
-              <a:ext uri="{FF2B5EF4-FFF2-40B4-BE49-F238E27FC236}">
-                <a16:creationId xmlns:a16="http://schemas.microsoft.com/office/drawing/2014/main" id="{64AB11DE-A2EE-49B9-8E13-510CA53523BC}"/>
-              </a:ext>
-            </a:extLst>
-          </p:cNvPr>
+          <p:cNvPr id="29" name="文本框 28"/>
           <p:cNvSpPr txBox="1"/>
           <p:nvPr/>
         </p:nvSpPr>
@@ -12374,13 +11557,7 @@
       </p:sp>
       <p:sp>
         <p:nvSpPr>
-          <p:cNvPr id="38" name="文本框 37">
-            <a:extLst>
-              <a:ext uri="{FF2B5EF4-FFF2-40B4-BE49-F238E27FC236}">
-                <a16:creationId xmlns:a16="http://schemas.microsoft.com/office/drawing/2014/main" id="{D4A04DD0-77BA-4450-B134-6F89EFBBB6D6}"/>
-              </a:ext>
-            </a:extLst>
-          </p:cNvPr>
+          <p:cNvPr id="38" name="文本框 37"/>
           <p:cNvSpPr txBox="1"/>
           <p:nvPr/>
         </p:nvSpPr>
@@ -12409,8 +11586,6 @@
               <a:rPr lang="en-US" altLang="zh-CN" sz="2000" dirty="0"/>
               <a:t>Buffer</a:t>
             </a:r>
-          </a:p>
-          <a:p>
             <a:endParaRPr lang="en-US" altLang="zh-CN" sz="2000" dirty="0"/>
           </a:p>
           <a:p>
@@ -12470,17 +11645,14 @@
           <a:p>
             <a:endParaRPr lang="en-US" altLang="zh-CN" sz="2000" dirty="0"/>
           </a:p>
-        </p:txBody>
-      </p:sp>
-      <p:sp>
-        <p:nvSpPr>
-          <p:cNvPr id="51" name="文本框 50">
-            <a:extLst>
-              <a:ext uri="{FF2B5EF4-FFF2-40B4-BE49-F238E27FC236}">
-                <a16:creationId xmlns:a16="http://schemas.microsoft.com/office/drawing/2014/main" id="{C022C3AC-691E-4D00-803F-9781A4B0C7FF}"/>
-              </a:ext>
-            </a:extLst>
-          </p:cNvPr>
+          <a:p>
+            <a:endParaRPr lang="en-US" altLang="zh-CN" sz="2000" dirty="0"/>
+          </a:p>
+        </p:txBody>
+      </p:sp>
+      <p:sp>
+        <p:nvSpPr>
+          <p:cNvPr id="51" name="文本框 50"/>
           <p:cNvSpPr txBox="1"/>
           <p:nvPr/>
         </p:nvSpPr>
@@ -12509,18 +11681,13 @@
               <a:rPr lang="en-US" altLang="zh-CN" dirty="0"/>
               <a:t>Frame2</a:t>
             </a:r>
-          </a:p>
-        </p:txBody>
-      </p:sp>
-      <p:sp>
-        <p:nvSpPr>
-          <p:cNvPr id="26" name="文本框 25">
-            <a:extLst>
-              <a:ext uri="{FF2B5EF4-FFF2-40B4-BE49-F238E27FC236}">
-                <a16:creationId xmlns:a16="http://schemas.microsoft.com/office/drawing/2014/main" id="{53A6103E-0A16-4455-8AC1-ACFBDC949289}"/>
-              </a:ext>
-            </a:extLst>
-          </p:cNvPr>
+            <a:endParaRPr lang="en-US" altLang="zh-CN" dirty="0"/>
+          </a:p>
+        </p:txBody>
+      </p:sp>
+      <p:sp>
+        <p:nvSpPr>
+          <p:cNvPr id="26" name="文本框 25"/>
           <p:cNvSpPr txBox="1"/>
           <p:nvPr/>
         </p:nvSpPr>
@@ -12549,18 +11716,13 @@
               <a:rPr lang="en-US" altLang="zh-CN" dirty="0"/>
               <a:t>Frame1</a:t>
             </a:r>
-          </a:p>
-        </p:txBody>
-      </p:sp>
-      <p:sp>
-        <p:nvSpPr>
-          <p:cNvPr id="28" name="文本框 27">
-            <a:extLst>
-              <a:ext uri="{FF2B5EF4-FFF2-40B4-BE49-F238E27FC236}">
-                <a16:creationId xmlns:a16="http://schemas.microsoft.com/office/drawing/2014/main" id="{2082387E-FA1D-4B9E-8307-7CE19BDE1CBF}"/>
-              </a:ext>
-            </a:extLst>
-          </p:cNvPr>
+            <a:endParaRPr lang="en-US" altLang="zh-CN" dirty="0"/>
+          </a:p>
+        </p:txBody>
+      </p:sp>
+      <p:sp>
+        <p:nvSpPr>
+          <p:cNvPr id="28" name="文本框 27"/>
           <p:cNvSpPr txBox="1"/>
           <p:nvPr/>
         </p:nvSpPr>
@@ -12589,8 +11751,6 @@
               <a:rPr lang="en-US" altLang="zh-CN" sz="2800" dirty="0"/>
               <a:t>Timer</a:t>
             </a:r>
-          </a:p>
-          <a:p>
             <a:endParaRPr lang="en-US" altLang="zh-CN" sz="2800" dirty="0"/>
           </a:p>
           <a:p>
@@ -12605,17 +11765,14 @@
           <a:p>
             <a:endParaRPr lang="en-US" altLang="zh-CN" sz="2800" dirty="0"/>
           </a:p>
-        </p:txBody>
-      </p:sp>
-      <p:sp>
-        <p:nvSpPr>
-          <p:cNvPr id="42" name="文本框 41">
-            <a:extLst>
-              <a:ext uri="{FF2B5EF4-FFF2-40B4-BE49-F238E27FC236}">
-                <a16:creationId xmlns:a16="http://schemas.microsoft.com/office/drawing/2014/main" id="{CDAED56F-FC57-4CE0-9F22-906FCF2570A5}"/>
-              </a:ext>
-            </a:extLst>
-          </p:cNvPr>
+          <a:p>
+            <a:endParaRPr lang="en-US" altLang="zh-CN" sz="2800" dirty="0"/>
+          </a:p>
+        </p:txBody>
+      </p:sp>
+      <p:sp>
+        <p:nvSpPr>
+          <p:cNvPr id="42" name="文本框 41"/>
           <p:cNvSpPr txBox="1"/>
           <p:nvPr/>
         </p:nvSpPr>
@@ -12644,18 +11801,13 @@
               <a:rPr lang="en-US" altLang="zh-CN" dirty="0"/>
               <a:t>Frame3</a:t>
             </a:r>
-          </a:p>
-        </p:txBody>
-      </p:sp>
-      <p:sp>
-        <p:nvSpPr>
-          <p:cNvPr id="47" name="文本框 46">
-            <a:extLst>
-              <a:ext uri="{FF2B5EF4-FFF2-40B4-BE49-F238E27FC236}">
-                <a16:creationId xmlns:a16="http://schemas.microsoft.com/office/drawing/2014/main" id="{5FC3FC5A-7495-44A6-8D79-865BCC7DA843}"/>
-              </a:ext>
-            </a:extLst>
-          </p:cNvPr>
+            <a:endParaRPr lang="en-US" altLang="zh-CN" dirty="0"/>
+          </a:p>
+        </p:txBody>
+      </p:sp>
+      <p:sp>
+        <p:nvSpPr>
+          <p:cNvPr id="47" name="文本框 46"/>
           <p:cNvSpPr txBox="1"/>
           <p:nvPr/>
         </p:nvSpPr>
@@ -12684,18 +11836,13 @@
               <a:rPr lang="en-US" altLang="zh-CN" dirty="0"/>
               <a:t>Frame4</a:t>
             </a:r>
-          </a:p>
-        </p:txBody>
-      </p:sp>
-      <p:sp>
-        <p:nvSpPr>
-          <p:cNvPr id="49" name="文本框 48">
-            <a:extLst>
-              <a:ext uri="{FF2B5EF4-FFF2-40B4-BE49-F238E27FC236}">
-                <a16:creationId xmlns:a16="http://schemas.microsoft.com/office/drawing/2014/main" id="{C32A78DD-7A2D-49AE-B321-1E2E28A7F72C}"/>
-              </a:ext>
-            </a:extLst>
-          </p:cNvPr>
+            <a:endParaRPr lang="en-US" altLang="zh-CN" dirty="0"/>
+          </a:p>
+        </p:txBody>
+      </p:sp>
+      <p:sp>
+        <p:nvSpPr>
+          <p:cNvPr id="49" name="文本框 48"/>
           <p:cNvSpPr txBox="1"/>
           <p:nvPr/>
         </p:nvSpPr>
@@ -12724,18 +11871,13 @@
               <a:rPr lang="en-US" altLang="zh-CN" dirty="0"/>
               <a:t>Frame5</a:t>
             </a:r>
-          </a:p>
-        </p:txBody>
-      </p:sp>
-      <p:sp>
-        <p:nvSpPr>
-          <p:cNvPr id="52" name="文本框 51">
-            <a:extLst>
-              <a:ext uri="{FF2B5EF4-FFF2-40B4-BE49-F238E27FC236}">
-                <a16:creationId xmlns:a16="http://schemas.microsoft.com/office/drawing/2014/main" id="{5D3E30ED-8D41-4EC4-98F1-F4188E071F88}"/>
-              </a:ext>
-            </a:extLst>
-          </p:cNvPr>
+            <a:endParaRPr lang="en-US" altLang="zh-CN" dirty="0"/>
+          </a:p>
+        </p:txBody>
+      </p:sp>
+      <p:sp>
+        <p:nvSpPr>
+          <p:cNvPr id="52" name="文本框 51"/>
           <p:cNvSpPr txBox="1"/>
           <p:nvPr/>
         </p:nvSpPr>
@@ -12764,18 +11906,13 @@
               <a:rPr lang="en-US" altLang="zh-CN" dirty="0"/>
               <a:t>Frame6</a:t>
             </a:r>
-          </a:p>
-        </p:txBody>
-      </p:sp>
-      <p:sp>
-        <p:nvSpPr>
-          <p:cNvPr id="53" name="文本框 52">
-            <a:extLst>
-              <a:ext uri="{FF2B5EF4-FFF2-40B4-BE49-F238E27FC236}">
-                <a16:creationId xmlns:a16="http://schemas.microsoft.com/office/drawing/2014/main" id="{1288641E-A83F-481D-9D5F-F188C181175A}"/>
-              </a:ext>
-            </a:extLst>
-          </p:cNvPr>
+            <a:endParaRPr lang="en-US" altLang="zh-CN" dirty="0"/>
+          </a:p>
+        </p:txBody>
+      </p:sp>
+      <p:sp>
+        <p:nvSpPr>
+          <p:cNvPr id="53" name="文本框 52"/>
           <p:cNvSpPr txBox="1"/>
           <p:nvPr/>
         </p:nvSpPr>
@@ -12810,13 +11947,7 @@
       </p:sp>
       <p:sp>
         <p:nvSpPr>
-          <p:cNvPr id="54" name="文本框 53">
-            <a:extLst>
-              <a:ext uri="{FF2B5EF4-FFF2-40B4-BE49-F238E27FC236}">
-                <a16:creationId xmlns:a16="http://schemas.microsoft.com/office/drawing/2014/main" id="{1E0E2357-619B-4916-8371-A5EA93D3D125}"/>
-              </a:ext>
-            </a:extLst>
-          </p:cNvPr>
+          <p:cNvPr id="54" name="文本框 53"/>
           <p:cNvSpPr txBox="1"/>
           <p:nvPr/>
         </p:nvSpPr>
@@ -12851,13 +11982,7 @@
       </p:sp>
       <p:sp>
         <p:nvSpPr>
-          <p:cNvPr id="55" name="文本框 54">
-            <a:extLst>
-              <a:ext uri="{FF2B5EF4-FFF2-40B4-BE49-F238E27FC236}">
-                <a16:creationId xmlns:a16="http://schemas.microsoft.com/office/drawing/2014/main" id="{9ABFE975-C022-4306-AB5E-CAF113079094}"/>
-              </a:ext>
-            </a:extLst>
-          </p:cNvPr>
+          <p:cNvPr id="55" name="文本框 54"/>
           <p:cNvSpPr txBox="1"/>
           <p:nvPr/>
         </p:nvSpPr>
@@ -12892,13 +12017,7 @@
       </p:sp>
       <p:sp>
         <p:nvSpPr>
-          <p:cNvPr id="56" name="文本框 55">
-            <a:extLst>
-              <a:ext uri="{FF2B5EF4-FFF2-40B4-BE49-F238E27FC236}">
-                <a16:creationId xmlns:a16="http://schemas.microsoft.com/office/drawing/2014/main" id="{F8374184-C341-4E41-B4B8-4D404D905DEF}"/>
-              </a:ext>
-            </a:extLst>
-          </p:cNvPr>
+          <p:cNvPr id="56" name="文本框 55"/>
           <p:cNvSpPr txBox="1"/>
           <p:nvPr/>
         </p:nvSpPr>
@@ -12942,13 +12061,7 @@
       </p:sp>
       <p:sp>
         <p:nvSpPr>
-          <p:cNvPr id="57" name="文本框 56">
-            <a:extLst>
-              <a:ext uri="{FF2B5EF4-FFF2-40B4-BE49-F238E27FC236}">
-                <a16:creationId xmlns:a16="http://schemas.microsoft.com/office/drawing/2014/main" id="{BD4DFA0F-76C4-407F-820C-19932FAA42D0}"/>
-              </a:ext>
-            </a:extLst>
-          </p:cNvPr>
+          <p:cNvPr id="57" name="文本框 56"/>
           <p:cNvSpPr txBox="1"/>
           <p:nvPr/>
         </p:nvSpPr>
@@ -12977,18 +12090,13 @@
               <a:rPr lang="en-US" altLang="zh-CN" dirty="0"/>
               <a:t>Frame7</a:t>
             </a:r>
-          </a:p>
-        </p:txBody>
-      </p:sp>
-      <p:sp>
-        <p:nvSpPr>
-          <p:cNvPr id="58" name="文本框 57">
-            <a:extLst>
-              <a:ext uri="{FF2B5EF4-FFF2-40B4-BE49-F238E27FC236}">
-                <a16:creationId xmlns:a16="http://schemas.microsoft.com/office/drawing/2014/main" id="{20F3706C-5CA7-4C0B-BC64-345D9E715DB5}"/>
-              </a:ext>
-            </a:extLst>
-          </p:cNvPr>
+            <a:endParaRPr lang="en-US" altLang="zh-CN" dirty="0"/>
+          </a:p>
+        </p:txBody>
+      </p:sp>
+      <p:sp>
+        <p:nvSpPr>
+          <p:cNvPr id="58" name="文本框 57"/>
           <p:cNvSpPr txBox="1"/>
           <p:nvPr/>
         </p:nvSpPr>
@@ -13017,18 +12125,13 @@
               <a:rPr lang="en-US" altLang="zh-CN" dirty="0"/>
               <a:t>Frame8</a:t>
             </a:r>
-          </a:p>
-        </p:txBody>
-      </p:sp>
-      <p:sp>
-        <p:nvSpPr>
-          <p:cNvPr id="59" name="文本框 58">
-            <a:extLst>
-              <a:ext uri="{FF2B5EF4-FFF2-40B4-BE49-F238E27FC236}">
-                <a16:creationId xmlns:a16="http://schemas.microsoft.com/office/drawing/2014/main" id="{BDB1EC48-80CE-4066-B7AC-FFBB5AFFDBA7}"/>
-              </a:ext>
-            </a:extLst>
-          </p:cNvPr>
+            <a:endParaRPr lang="en-US" altLang="zh-CN" dirty="0"/>
+          </a:p>
+        </p:txBody>
+      </p:sp>
+      <p:sp>
+        <p:nvSpPr>
+          <p:cNvPr id="59" name="文本框 58"/>
           <p:cNvSpPr txBox="1"/>
           <p:nvPr/>
         </p:nvSpPr>
@@ -13057,18 +12160,13 @@
               <a:rPr lang="en-US" altLang="zh-CN" dirty="0"/>
               <a:t>Frame9</a:t>
             </a:r>
-          </a:p>
-        </p:txBody>
-      </p:sp>
-      <p:sp>
-        <p:nvSpPr>
-          <p:cNvPr id="61" name="文本框 60">
-            <a:extLst>
-              <a:ext uri="{FF2B5EF4-FFF2-40B4-BE49-F238E27FC236}">
-                <a16:creationId xmlns:a16="http://schemas.microsoft.com/office/drawing/2014/main" id="{50C84244-3B8C-4913-83B2-F3C7C56D81AC}"/>
-              </a:ext>
-            </a:extLst>
-          </p:cNvPr>
+            <a:endParaRPr lang="en-US" altLang="zh-CN" dirty="0"/>
+          </a:p>
+        </p:txBody>
+      </p:sp>
+      <p:sp>
+        <p:nvSpPr>
+          <p:cNvPr id="61" name="文本框 60"/>
           <p:cNvSpPr txBox="1"/>
           <p:nvPr/>
         </p:nvSpPr>
@@ -13103,13 +12201,7 @@
       </p:sp>
       <p:sp>
         <p:nvSpPr>
-          <p:cNvPr id="62" name="文本框 61">
-            <a:extLst>
-              <a:ext uri="{FF2B5EF4-FFF2-40B4-BE49-F238E27FC236}">
-                <a16:creationId xmlns:a16="http://schemas.microsoft.com/office/drawing/2014/main" id="{2491D3B7-FF0C-47A0-9B83-ADE9003475ED}"/>
-              </a:ext>
-            </a:extLst>
-          </p:cNvPr>
+          <p:cNvPr id="62" name="文本框 61"/>
           <p:cNvSpPr txBox="1"/>
           <p:nvPr/>
         </p:nvSpPr>
@@ -13143,11 +12235,6 @@
         </p:txBody>
       </p:sp>
     </p:spTree>
-    <p:extLst>
-      <p:ext uri="{BB962C8B-B14F-4D97-AF65-F5344CB8AC3E}">
-        <p14:creationId xmlns:p14="http://schemas.microsoft.com/office/powerpoint/2010/main" val="3252496211"/>
-      </p:ext>
-    </p:extLst>
   </p:cSld>
   <p:clrMapOvr>
     <a:masterClrMapping/>
@@ -13831,7 +12918,7 @@
 </p:sld>
 </file>
 
-<file path=ppt/slides/slide6.xml><?xml version="1.0" encoding="utf-8"?>
+<file path=ppt/slides/slide7.xml><?xml version="1.0" encoding="utf-8"?>
 <p:sld xmlns:a="http://schemas.openxmlformats.org/drawingml/2006/main" xmlns:r="http://schemas.openxmlformats.org/officeDocument/2006/relationships" xmlns:p="http://schemas.openxmlformats.org/presentationml/2006/main">
   <p:cSld>
     <p:spTree>
@@ -13850,13 +12937,7 @@
       </p:grpSpPr>
       <p:sp>
         <p:nvSpPr>
-          <p:cNvPr id="2" name="标题 1">
-            <a:extLst>
-              <a:ext uri="{FF2B5EF4-FFF2-40B4-BE49-F238E27FC236}">
-                <a16:creationId xmlns:a16="http://schemas.microsoft.com/office/drawing/2014/main" id="{01A5426F-C1D8-465F-AEE0-B548141D68F0}"/>
-              </a:ext>
-            </a:extLst>
-          </p:cNvPr>
+          <p:cNvPr id="2" name="标题 1"/>
           <p:cNvSpPr>
             <a:spLocks noGrp="1"/>
           </p:cNvSpPr>
@@ -13879,13 +12960,7 @@
       </p:sp>
       <p:sp>
         <p:nvSpPr>
-          <p:cNvPr id="3" name="内容占位符 2">
-            <a:extLst>
-              <a:ext uri="{FF2B5EF4-FFF2-40B4-BE49-F238E27FC236}">
-                <a16:creationId xmlns:a16="http://schemas.microsoft.com/office/drawing/2014/main" id="{589F3D10-A8D0-43C2-A26D-F2190B21AD06}"/>
-              </a:ext>
-            </a:extLst>
-          </p:cNvPr>
+          <p:cNvPr id="3" name="内容占位符 2"/>
           <p:cNvSpPr>
             <a:spLocks noGrp="1"/>
           </p:cNvSpPr>
@@ -13902,6 +12977,7 @@
               <a:rPr lang="en-US" altLang="zh-CN" dirty="0"/>
               <a:t>Syntax</a:t>
             </a:r>
+            <a:endParaRPr lang="en-US" altLang="zh-CN" dirty="0"/>
           </a:p>
           <a:p>
             <a:pPr lvl="1"/>
@@ -13921,6 +12997,7 @@
               <a:rPr lang="en-US" altLang="zh-CN" dirty="0"/>
               <a:t>Bar</a:t>
             </a:r>
+            <a:endParaRPr lang="en-US" altLang="zh-CN" dirty="0"/>
           </a:p>
           <a:p>
             <a:pPr lvl="2"/>
@@ -13977,11 +13054,6 @@
         </p:txBody>
       </p:sp>
     </p:spTree>
-    <p:extLst>
-      <p:ext uri="{BB962C8B-B14F-4D97-AF65-F5344CB8AC3E}">
-        <p14:creationId xmlns:p14="http://schemas.microsoft.com/office/powerpoint/2010/main" val="753707962"/>
-      </p:ext>
-    </p:extLst>
   </p:cSld>
   <p:clrMapOvr>
     <a:masterClrMapping/>
@@ -14032,7 +13104,7 @@
     </a:clrScheme>
     <a:fontScheme name="Office">
       <a:majorFont>
-        <a:latin typeface="等线 Light" panose="020F0302020204030204"/>
+        <a:latin typeface="等线 Light"/>
         <a:ea typeface=""/>
         <a:cs typeface=""/>
         <a:font script="Jpan" typeface="游ゴシック Light"/>
@@ -14065,26 +13137,9 @@
         <a:font script="Viet" typeface="Times New Roman"/>
         <a:font script="Uigh" typeface="Microsoft Uighur"/>
         <a:font script="Geor" typeface="Sylfaen"/>
-        <a:font script="Armn" typeface="Arial"/>
-        <a:font script="Bugi" typeface="Leelawadee UI"/>
-        <a:font script="Bopo" typeface="Microsoft JhengHei"/>
-        <a:font script="Java" typeface="Javanese Text"/>
-        <a:font script="Lisu" typeface="Segoe UI"/>
-        <a:font script="Mymr" typeface="Myanmar Text"/>
-        <a:font script="Nkoo" typeface="Ebrima"/>
-        <a:font script="Olck" typeface="Nirmala UI"/>
-        <a:font script="Osma" typeface="Ebrima"/>
-        <a:font script="Phag" typeface="Phagspa"/>
-        <a:font script="Syrn" typeface="Estrangelo Edessa"/>
-        <a:font script="Syrj" typeface="Estrangelo Edessa"/>
-        <a:font script="Syre" typeface="Estrangelo Edessa"/>
-        <a:font script="Sora" typeface="Nirmala UI"/>
-        <a:font script="Tale" typeface="Microsoft Tai Le"/>
-        <a:font script="Talu" typeface="Microsoft New Tai Lue"/>
-        <a:font script="Tfng" typeface="Ebrima"/>
       </a:majorFont>
       <a:minorFont>
-        <a:latin typeface="等线" panose="020F0502020204030204"/>
+        <a:latin typeface="等线"/>
         <a:ea typeface=""/>
         <a:cs typeface=""/>
         <a:font script="Jpan" typeface="游ゴシック"/>
@@ -14117,23 +13172,6 @@
         <a:font script="Viet" typeface="Arial"/>
         <a:font script="Uigh" typeface="Microsoft Uighur"/>
         <a:font script="Geor" typeface="Sylfaen"/>
-        <a:font script="Armn" typeface="Arial"/>
-        <a:font script="Bugi" typeface="Leelawadee UI"/>
-        <a:font script="Bopo" typeface="Microsoft JhengHei"/>
-        <a:font script="Java" typeface="Javanese Text"/>
-        <a:font script="Lisu" typeface="Segoe UI"/>
-        <a:font script="Mymr" typeface="Myanmar Text"/>
-        <a:font script="Nkoo" typeface="Ebrima"/>
-        <a:font script="Olck" typeface="Nirmala UI"/>
-        <a:font script="Osma" typeface="Ebrima"/>
-        <a:font script="Phag" typeface="Phagspa"/>
-        <a:font script="Syrn" typeface="Estrangelo Edessa"/>
-        <a:font script="Syrj" typeface="Estrangelo Edessa"/>
-        <a:font script="Syre" typeface="Estrangelo Edessa"/>
-        <a:font script="Sora" typeface="Nirmala UI"/>
-        <a:font script="Tale" typeface="Microsoft Tai Le"/>
-        <a:font script="Talu" typeface="Microsoft New Tai Lue"/>
-        <a:font script="Tfng" typeface="Ebrima"/>
       </a:minorFont>
     </a:fontScheme>
     <a:fmtScheme name="Office">
@@ -14274,8 +13312,6 @@
       </a:bgFillStyleLst>
     </a:fmtScheme>
   </a:themeElements>
-  <a:objectDefaults/>
-  <a:extraClrSchemeLst/>
   <a:extLst>
     <a:ext uri="{05A4C25C-085E-4340-85A3-A5531E510DB2}">
       <thm15:themeFamily xmlns:thm15="http://schemas.microsoft.com/office/thememl/2012/main" name="Office Theme" id="{62F939B6-93AF-4DB8-9C6B-D6C7DFDC589F}" vid="{4A3C46E8-61CC-4603-A589-7422A47A8E4A}"/>
@@ -14327,7 +13363,7 @@
     </a:clrScheme>
     <a:fontScheme name="Office">
       <a:majorFont>
-        <a:latin typeface="等线 Light" panose="020F0302020204030204"/>
+        <a:latin typeface="等线 Light"/>
         <a:ea typeface=""/>
         <a:cs typeface=""/>
         <a:font script="Jpan" typeface="游ゴシック Light"/>
@@ -14360,26 +13396,9 @@
         <a:font script="Viet" typeface="Times New Roman"/>
         <a:font script="Uigh" typeface="Microsoft Uighur"/>
         <a:font script="Geor" typeface="Sylfaen"/>
-        <a:font script="Armn" typeface="Arial"/>
-        <a:font script="Bugi" typeface="Leelawadee UI"/>
-        <a:font script="Bopo" typeface="Microsoft JhengHei"/>
-        <a:font script="Java" typeface="Javanese Text"/>
-        <a:font script="Lisu" typeface="Segoe UI"/>
-        <a:font script="Mymr" typeface="Myanmar Text"/>
-        <a:font script="Nkoo" typeface="Ebrima"/>
-        <a:font script="Olck" typeface="Nirmala UI"/>
-        <a:font script="Osma" typeface="Ebrima"/>
-        <a:font script="Phag" typeface="Phagspa"/>
-        <a:font script="Syrn" typeface="Estrangelo Edessa"/>
-        <a:font script="Syrj" typeface="Estrangelo Edessa"/>
-        <a:font script="Syre" typeface="Estrangelo Edessa"/>
-        <a:font script="Sora" typeface="Nirmala UI"/>
-        <a:font script="Tale" typeface="Microsoft Tai Le"/>
-        <a:font script="Talu" typeface="Microsoft New Tai Lue"/>
-        <a:font script="Tfng" typeface="Ebrima"/>
       </a:majorFont>
       <a:minorFont>
-        <a:latin typeface="等线" panose="020F0502020204030204"/>
+        <a:latin typeface="等线"/>
         <a:ea typeface=""/>
         <a:cs typeface=""/>
         <a:font script="Jpan" typeface="游ゴシック"/>
@@ -14412,23 +13431,6 @@
         <a:font script="Viet" typeface="Arial"/>
         <a:font script="Uigh" typeface="Microsoft Uighur"/>
         <a:font script="Geor" typeface="Sylfaen"/>
-        <a:font script="Armn" typeface="Arial"/>
-        <a:font script="Bugi" typeface="Leelawadee UI"/>
-        <a:font script="Bopo" typeface="Microsoft JhengHei"/>
-        <a:font script="Java" typeface="Javanese Text"/>
-        <a:font script="Lisu" typeface="Segoe UI"/>
-        <a:font script="Mymr" typeface="Myanmar Text"/>
-        <a:font script="Nkoo" typeface="Ebrima"/>
-        <a:font script="Olck" typeface="Nirmala UI"/>
-        <a:font script="Osma" typeface="Ebrima"/>
-        <a:font script="Phag" typeface="Phagspa"/>
-        <a:font script="Syrn" typeface="Estrangelo Edessa"/>
-        <a:font script="Syrj" typeface="Estrangelo Edessa"/>
-        <a:font script="Syre" typeface="Estrangelo Edessa"/>
-        <a:font script="Sora" typeface="Nirmala UI"/>
-        <a:font script="Tale" typeface="Microsoft Tai Le"/>
-        <a:font script="Talu" typeface="Microsoft New Tai Lue"/>
-        <a:font script="Tfng" typeface="Ebrima"/>
       </a:minorFont>
     </a:fontScheme>
     <a:fmtScheme name="Office">
@@ -14569,8 +13571,6 @@
       </a:bgFillStyleLst>
     </a:fmtScheme>
   </a:themeElements>
-  <a:objectDefaults/>
-  <a:extraClrSchemeLst/>
   <a:extLst>
     <a:ext uri="{05A4C25C-085E-4340-85A3-A5531E510DB2}">
       <thm15:themeFamily xmlns:thm15="http://schemas.microsoft.com/office/thememl/2012/main" name="Office Theme" id="{62F939B6-93AF-4DB8-9C6B-D6C7DFDC589F}" vid="{4A3C46E8-61CC-4603-A589-7422A47A8E4A}"/>
